--- a/docs/lecture_slides/Week 6/Week6_Lecture12_Slides_2_16_2024.pptx
+++ b/docs/lecture_slides/Week 6/Week6_Lecture12_Slides_2_16_2024.pptx
@@ -3101,7 +3101,7 @@
           <a:p>
             <a:fld id="{16242ECF-4EC5-4F6F-92F2-C9C58BEB3FE8}" type="datetimeFigureOut">
               <a:rPr lang="en-US" smtClean="0"/>
-              <a:t>2/15/2024</a:t>
+              <a:t>2/16/2024</a:t>
             </a:fld>
             <a:endParaRPr lang="en-US"/>
           </a:p>
@@ -3299,7 +3299,7 @@
           <a:p>
             <a:fld id="{16242ECF-4EC5-4F6F-92F2-C9C58BEB3FE8}" type="datetimeFigureOut">
               <a:rPr lang="en-US" smtClean="0"/>
-              <a:t>2/15/2024</a:t>
+              <a:t>2/16/2024</a:t>
             </a:fld>
             <a:endParaRPr lang="en-US"/>
           </a:p>
@@ -3507,7 +3507,7 @@
           <a:p>
             <a:fld id="{16242ECF-4EC5-4F6F-92F2-C9C58BEB3FE8}" type="datetimeFigureOut">
               <a:rPr lang="en-US" smtClean="0"/>
-              <a:t>2/15/2024</a:t>
+              <a:t>2/16/2024</a:t>
             </a:fld>
             <a:endParaRPr lang="en-US"/>
           </a:p>
@@ -3705,7 +3705,7 @@
           <a:p>
             <a:fld id="{16242ECF-4EC5-4F6F-92F2-C9C58BEB3FE8}" type="datetimeFigureOut">
               <a:rPr lang="en-US" smtClean="0"/>
-              <a:t>2/15/2024</a:t>
+              <a:t>2/16/2024</a:t>
             </a:fld>
             <a:endParaRPr lang="en-US"/>
           </a:p>
@@ -3980,7 +3980,7 @@
           <a:p>
             <a:fld id="{16242ECF-4EC5-4F6F-92F2-C9C58BEB3FE8}" type="datetimeFigureOut">
               <a:rPr lang="en-US" smtClean="0"/>
-              <a:t>2/15/2024</a:t>
+              <a:t>2/16/2024</a:t>
             </a:fld>
             <a:endParaRPr lang="en-US"/>
           </a:p>
@@ -4245,7 +4245,7 @@
           <a:p>
             <a:fld id="{16242ECF-4EC5-4F6F-92F2-C9C58BEB3FE8}" type="datetimeFigureOut">
               <a:rPr lang="en-US" smtClean="0"/>
-              <a:t>2/15/2024</a:t>
+              <a:t>2/16/2024</a:t>
             </a:fld>
             <a:endParaRPr lang="en-US"/>
           </a:p>
@@ -4657,7 +4657,7 @@
           <a:p>
             <a:fld id="{16242ECF-4EC5-4F6F-92F2-C9C58BEB3FE8}" type="datetimeFigureOut">
               <a:rPr lang="en-US" smtClean="0"/>
-              <a:t>2/15/2024</a:t>
+              <a:t>2/16/2024</a:t>
             </a:fld>
             <a:endParaRPr lang="en-US"/>
           </a:p>
@@ -4798,7 +4798,7 @@
           <a:p>
             <a:fld id="{16242ECF-4EC5-4F6F-92F2-C9C58BEB3FE8}" type="datetimeFigureOut">
               <a:rPr lang="en-US" smtClean="0"/>
-              <a:t>2/15/2024</a:t>
+              <a:t>2/16/2024</a:t>
             </a:fld>
             <a:endParaRPr lang="en-US"/>
           </a:p>
@@ -4911,7 +4911,7 @@
           <a:p>
             <a:fld id="{16242ECF-4EC5-4F6F-92F2-C9C58BEB3FE8}" type="datetimeFigureOut">
               <a:rPr lang="en-US" smtClean="0"/>
-              <a:t>2/15/2024</a:t>
+              <a:t>2/16/2024</a:t>
             </a:fld>
             <a:endParaRPr lang="en-US"/>
           </a:p>
@@ -5222,7 +5222,7 @@
           <a:p>
             <a:fld id="{16242ECF-4EC5-4F6F-92F2-C9C58BEB3FE8}" type="datetimeFigureOut">
               <a:rPr lang="en-US" smtClean="0"/>
-              <a:t>2/15/2024</a:t>
+              <a:t>2/16/2024</a:t>
             </a:fld>
             <a:endParaRPr lang="en-US"/>
           </a:p>
@@ -5510,7 +5510,7 @@
           <a:p>
             <a:fld id="{16242ECF-4EC5-4F6F-92F2-C9C58BEB3FE8}" type="datetimeFigureOut">
               <a:rPr lang="en-US" smtClean="0"/>
-              <a:t>2/15/2024</a:t>
+              <a:t>2/16/2024</a:t>
             </a:fld>
             <a:endParaRPr lang="en-US"/>
           </a:p>
@@ -5751,7 +5751,7 @@
           <a:p>
             <a:fld id="{16242ECF-4EC5-4F6F-92F2-C9C58BEB3FE8}" type="datetimeFigureOut">
               <a:rPr lang="en-US" smtClean="0"/>
-              <a:t>2/15/2024</a:t>
+              <a:t>2/16/2024</a:t>
             </a:fld>
             <a:endParaRPr lang="en-US"/>
           </a:p>
@@ -6198,14 +6198,14 @@
           <a:p>
             <a:r>
               <a:rPr lang="en-US" dirty="0"/>
-              <a:t>Lecture 11</a:t>
+              <a:t>Lecture 12</a:t>
             </a:r>
             <a:br>
-              <a:rPr lang="en-US" dirty="0"/>
+              <a:rPr lang="en-US"/>
             </a:br>
             <a:r>
-              <a:rPr lang="en-US" dirty="0"/>
-              <a:t>Introduction to probability</a:t>
+              <a:rPr lang="en-US"/>
+              <a:t>probability and random variables</a:t>
             </a:r>
             <a:br>
               <a:rPr lang="en-US" dirty="0"/>
@@ -8239,8 +8239,8 @@
           </a:p>
         </p:txBody>
       </p:sp>
-      <mc:AlternateContent xmlns:mc="http://schemas.openxmlformats.org/markup-compatibility/2006">
-        <mc:Choice xmlns:a14="http://schemas.microsoft.com/office/drawing/2010/main" Requires="a14">
+      <mc:AlternateContent xmlns:mc="http://schemas.openxmlformats.org/markup-compatibility/2006" xmlns:a14="http://schemas.microsoft.com/office/drawing/2010/main">
+        <mc:Choice Requires="a14">
           <p:sp>
             <p:nvSpPr>
               <p:cNvPr id="9" name="TextBox 8">
@@ -8309,7 +8309,7 @@
             </p:txBody>
           </p:sp>
         </mc:Choice>
-        <mc:Fallback>
+        <mc:Fallback xmlns="">
           <p:sp>
             <p:nvSpPr>
               <p:cNvPr id="9" name="TextBox 8">
@@ -8424,8 +8424,8 @@
           </a:p>
         </p:txBody>
       </p:sp>
-      <mc:AlternateContent xmlns:mc="http://schemas.openxmlformats.org/markup-compatibility/2006">
-        <mc:Choice xmlns:a14="http://schemas.microsoft.com/office/drawing/2010/main" Requires="a14">
+      <mc:AlternateContent xmlns:mc="http://schemas.openxmlformats.org/markup-compatibility/2006" xmlns:a14="http://schemas.microsoft.com/office/drawing/2010/main">
+        <mc:Choice Requires="a14">
           <p:graphicFrame>
             <p:nvGraphicFramePr>
               <p:cNvPr id="3" name="Table 2">
@@ -8694,7 +8694,7 @@
             </a:graphic>
           </p:graphicFrame>
         </mc:Choice>
-        <mc:Fallback>
+        <mc:Fallback xmlns="">
           <p:graphicFrame>
             <p:nvGraphicFramePr>
               <p:cNvPr id="3" name="Table 2">
@@ -8928,8 +8928,8 @@
           </p:graphicFrame>
         </mc:Fallback>
       </mc:AlternateContent>
-      <mc:AlternateContent xmlns:mc="http://schemas.openxmlformats.org/markup-compatibility/2006">
-        <mc:Choice xmlns:a14="http://schemas.microsoft.com/office/drawing/2010/main" Requires="a14">
+      <mc:AlternateContent xmlns:mc="http://schemas.openxmlformats.org/markup-compatibility/2006" xmlns:a14="http://schemas.microsoft.com/office/drawing/2010/main">
+        <mc:Choice Requires="a14">
           <p:graphicFrame>
             <p:nvGraphicFramePr>
               <p:cNvPr id="4" name="Table 3">
@@ -9401,7 +9401,7 @@
             </a:graphic>
           </p:graphicFrame>
         </mc:Choice>
-        <mc:Fallback>
+        <mc:Fallback xmlns="">
           <p:graphicFrame>
             <p:nvGraphicFramePr>
               <p:cNvPr id="4" name="Table 3">
@@ -9996,8 +9996,8 @@
           </a:p>
         </p:txBody>
       </p:sp>
-      <mc:AlternateContent xmlns:mc="http://schemas.openxmlformats.org/markup-compatibility/2006">
-        <mc:Choice xmlns:a14="http://schemas.microsoft.com/office/drawing/2010/main" Requires="a14">
+      <mc:AlternateContent xmlns:mc="http://schemas.openxmlformats.org/markup-compatibility/2006" xmlns:a14="http://schemas.microsoft.com/office/drawing/2010/main">
+        <mc:Choice Requires="a14">
           <p:sp>
             <p:nvSpPr>
               <p:cNvPr id="3" name="Content Placeholder 2">
@@ -10538,7 +10538,7 @@
             </p:txBody>
           </p:sp>
         </mc:Choice>
-        <mc:Fallback>
+        <mc:Fallback xmlns="">
           <p:sp>
             <p:nvSpPr>
               <p:cNvPr id="3" name="Content Placeholder 2">
@@ -11161,8 +11161,8 @@
           </a:p>
         </p:txBody>
       </p:sp>
-      <mc:AlternateContent xmlns:mc="http://schemas.openxmlformats.org/markup-compatibility/2006">
-        <mc:Choice xmlns:a14="http://schemas.microsoft.com/office/drawing/2010/main" Requires="a14">
+      <mc:AlternateContent xmlns:mc="http://schemas.openxmlformats.org/markup-compatibility/2006" xmlns:a14="http://schemas.microsoft.com/office/drawing/2010/main">
+        <mc:Choice Requires="a14">
           <p:sp>
             <p:nvSpPr>
               <p:cNvPr id="3" name="Content Placeholder 2">
@@ -11442,7 +11442,7 @@
             </p:txBody>
           </p:sp>
         </mc:Choice>
-        <mc:Fallback>
+        <mc:Fallback xmlns="">
           <p:sp>
             <p:nvSpPr>
               <p:cNvPr id="3" name="Content Placeholder 2">
@@ -12267,8 +12267,8 @@
           </a:p>
         </p:txBody>
       </p:sp>
-      <mc:AlternateContent xmlns:mc="http://schemas.openxmlformats.org/markup-compatibility/2006">
-        <mc:Choice xmlns:a14="http://schemas.microsoft.com/office/drawing/2010/main" Requires="a14">
+      <mc:AlternateContent xmlns:mc="http://schemas.openxmlformats.org/markup-compatibility/2006" xmlns:a14="http://schemas.microsoft.com/office/drawing/2010/main">
+        <mc:Choice Requires="a14">
           <p:sp>
             <p:nvSpPr>
               <p:cNvPr id="3" name="Content Placeholder 2">
@@ -12559,7 +12559,7 @@
             </p:txBody>
           </p:sp>
         </mc:Choice>
-        <mc:Fallback>
+        <mc:Fallback xmlns="">
           <p:sp>
             <p:nvSpPr>
               <p:cNvPr id="3" name="Content Placeholder 2">
@@ -12744,8 +12744,8 @@
           </a:p>
         </p:txBody>
       </p:sp>
-      <mc:AlternateContent xmlns:mc="http://schemas.openxmlformats.org/markup-compatibility/2006">
-        <mc:Choice xmlns:a14="http://schemas.microsoft.com/office/drawing/2010/main" Requires="a14">
+      <mc:AlternateContent xmlns:mc="http://schemas.openxmlformats.org/markup-compatibility/2006" xmlns:a14="http://schemas.microsoft.com/office/drawing/2010/main">
+        <mc:Choice Requires="a14">
           <p:sp>
             <p:nvSpPr>
               <p:cNvPr id="3" name="Content Placeholder 2">
@@ -12875,7 +12875,7 @@
             </p:txBody>
           </p:sp>
         </mc:Choice>
-        <mc:Fallback>
+        <mc:Fallback xmlns="">
           <p:sp>
             <p:nvSpPr>
               <p:cNvPr id="3" name="Content Placeholder 2">
@@ -14499,8 +14499,8 @@
           </a:p>
         </p:txBody>
       </p:sp>
-      <mc:AlternateContent xmlns:mc="http://schemas.openxmlformats.org/markup-compatibility/2006">
-        <mc:Choice xmlns:a14="http://schemas.microsoft.com/office/drawing/2010/main" Requires="a14">
+      <mc:AlternateContent xmlns:mc="http://schemas.openxmlformats.org/markup-compatibility/2006" xmlns:a14="http://schemas.microsoft.com/office/drawing/2010/main">
+        <mc:Choice Requires="a14">
           <p:sp>
             <p:nvSpPr>
               <p:cNvPr id="3" name="Content Placeholder 2">
@@ -14938,7 +14938,7 @@
             </p:txBody>
           </p:sp>
         </mc:Choice>
-        <mc:Fallback>
+        <mc:Fallback xmlns="">
           <p:sp>
             <p:nvSpPr>
               <p:cNvPr id="3" name="Content Placeholder 2">
@@ -15077,8 +15077,8 @@
           </a:p>
         </p:txBody>
       </p:sp>
-      <mc:AlternateContent xmlns:mc="http://schemas.openxmlformats.org/markup-compatibility/2006">
-        <mc:Choice xmlns:a14="http://schemas.microsoft.com/office/drawing/2010/main" Requires="a14">
+      <mc:AlternateContent xmlns:mc="http://schemas.openxmlformats.org/markup-compatibility/2006" xmlns:a14="http://schemas.microsoft.com/office/drawing/2010/main">
+        <mc:Choice Requires="a14">
           <p:sp>
             <p:nvSpPr>
               <p:cNvPr id="3" name="Content Placeholder 2">
@@ -15329,7 +15329,7 @@
             </p:txBody>
           </p:sp>
         </mc:Choice>
-        <mc:Fallback>
+        <mc:Fallback xmlns="">
           <p:sp>
             <p:nvSpPr>
               <p:cNvPr id="3" name="Content Placeholder 2">

--- a/docs/lecture_slides/Week 6/Week6_Lecture12_Slides_2_16_2024.pptx
+++ b/docs/lecture_slides/Week 6/Week6_Lecture12_Slides_2_16_2024.pptx
@@ -19,11 +19,6 @@
     <p:sldId id="314" r:id="rId13"/>
     <p:sldId id="315" r:id="rId14"/>
     <p:sldId id="320" r:id="rId15"/>
-    <p:sldId id="318" r:id="rId16"/>
-    <p:sldId id="324" r:id="rId17"/>
-    <p:sldId id="321" r:id="rId18"/>
-    <p:sldId id="325" r:id="rId19"/>
-    <p:sldId id="326" r:id="rId20"/>
   </p:sldIdLst>
   <p:sldSz cx="12192000" cy="6858000"/>
   <p:notesSz cx="6858000" cy="9144000"/>
@@ -3101,7 +3096,7 @@
           <a:p>
             <a:fld id="{16242ECF-4EC5-4F6F-92F2-C9C58BEB3FE8}" type="datetimeFigureOut">
               <a:rPr lang="en-US" smtClean="0"/>
-              <a:t>2/16/2024</a:t>
+              <a:t>2/18/2024</a:t>
             </a:fld>
             <a:endParaRPr lang="en-US"/>
           </a:p>
@@ -3299,7 +3294,7 @@
           <a:p>
             <a:fld id="{16242ECF-4EC5-4F6F-92F2-C9C58BEB3FE8}" type="datetimeFigureOut">
               <a:rPr lang="en-US" smtClean="0"/>
-              <a:t>2/16/2024</a:t>
+              <a:t>2/18/2024</a:t>
             </a:fld>
             <a:endParaRPr lang="en-US"/>
           </a:p>
@@ -3507,7 +3502,7 @@
           <a:p>
             <a:fld id="{16242ECF-4EC5-4F6F-92F2-C9C58BEB3FE8}" type="datetimeFigureOut">
               <a:rPr lang="en-US" smtClean="0"/>
-              <a:t>2/16/2024</a:t>
+              <a:t>2/18/2024</a:t>
             </a:fld>
             <a:endParaRPr lang="en-US"/>
           </a:p>
@@ -3705,7 +3700,7 @@
           <a:p>
             <a:fld id="{16242ECF-4EC5-4F6F-92F2-C9C58BEB3FE8}" type="datetimeFigureOut">
               <a:rPr lang="en-US" smtClean="0"/>
-              <a:t>2/16/2024</a:t>
+              <a:t>2/18/2024</a:t>
             </a:fld>
             <a:endParaRPr lang="en-US"/>
           </a:p>
@@ -3980,7 +3975,7 @@
           <a:p>
             <a:fld id="{16242ECF-4EC5-4F6F-92F2-C9C58BEB3FE8}" type="datetimeFigureOut">
               <a:rPr lang="en-US" smtClean="0"/>
-              <a:t>2/16/2024</a:t>
+              <a:t>2/18/2024</a:t>
             </a:fld>
             <a:endParaRPr lang="en-US"/>
           </a:p>
@@ -4245,7 +4240,7 @@
           <a:p>
             <a:fld id="{16242ECF-4EC5-4F6F-92F2-C9C58BEB3FE8}" type="datetimeFigureOut">
               <a:rPr lang="en-US" smtClean="0"/>
-              <a:t>2/16/2024</a:t>
+              <a:t>2/18/2024</a:t>
             </a:fld>
             <a:endParaRPr lang="en-US"/>
           </a:p>
@@ -4657,7 +4652,7 @@
           <a:p>
             <a:fld id="{16242ECF-4EC5-4F6F-92F2-C9C58BEB3FE8}" type="datetimeFigureOut">
               <a:rPr lang="en-US" smtClean="0"/>
-              <a:t>2/16/2024</a:t>
+              <a:t>2/18/2024</a:t>
             </a:fld>
             <a:endParaRPr lang="en-US"/>
           </a:p>
@@ -4798,7 +4793,7 @@
           <a:p>
             <a:fld id="{16242ECF-4EC5-4F6F-92F2-C9C58BEB3FE8}" type="datetimeFigureOut">
               <a:rPr lang="en-US" smtClean="0"/>
-              <a:t>2/16/2024</a:t>
+              <a:t>2/18/2024</a:t>
             </a:fld>
             <a:endParaRPr lang="en-US"/>
           </a:p>
@@ -4911,7 +4906,7 @@
           <a:p>
             <a:fld id="{16242ECF-4EC5-4F6F-92F2-C9C58BEB3FE8}" type="datetimeFigureOut">
               <a:rPr lang="en-US" smtClean="0"/>
-              <a:t>2/16/2024</a:t>
+              <a:t>2/18/2024</a:t>
             </a:fld>
             <a:endParaRPr lang="en-US"/>
           </a:p>
@@ -5222,7 +5217,7 @@
           <a:p>
             <a:fld id="{16242ECF-4EC5-4F6F-92F2-C9C58BEB3FE8}" type="datetimeFigureOut">
               <a:rPr lang="en-US" smtClean="0"/>
-              <a:t>2/16/2024</a:t>
+              <a:t>2/18/2024</a:t>
             </a:fld>
             <a:endParaRPr lang="en-US"/>
           </a:p>
@@ -5510,7 +5505,7 @@
           <a:p>
             <a:fld id="{16242ECF-4EC5-4F6F-92F2-C9C58BEB3FE8}" type="datetimeFigureOut">
               <a:rPr lang="en-US" smtClean="0"/>
-              <a:t>2/16/2024</a:t>
+              <a:t>2/18/2024</a:t>
             </a:fld>
             <a:endParaRPr lang="en-US"/>
           </a:p>
@@ -5751,7 +5746,7 @@
           <a:p>
             <a:fld id="{16242ECF-4EC5-4F6F-92F2-C9C58BEB3FE8}" type="datetimeFigureOut">
               <a:rPr lang="en-US" smtClean="0"/>
-              <a:t>2/16/2024</a:t>
+              <a:t>2/18/2024</a:t>
             </a:fld>
             <a:endParaRPr lang="en-US"/>
           </a:p>
@@ -9941,2681 +9936,6 @@
 </p:sld>
 </file>
 
-<file path=ppt/slides/slide15.xml><?xml version="1.0" encoding="utf-8"?>
-<p:sld xmlns:a="http://schemas.openxmlformats.org/drawingml/2006/main" xmlns:r="http://schemas.openxmlformats.org/officeDocument/2006/relationships" xmlns:p="http://schemas.openxmlformats.org/presentationml/2006/main">
-  <p:cSld>
-    <p:spTree>
-      <p:nvGrpSpPr>
-        <p:cNvPr id="1" name=""/>
-        <p:cNvGrpSpPr/>
-        <p:nvPr/>
-      </p:nvGrpSpPr>
-      <p:grpSpPr>
-        <a:xfrm>
-          <a:off x="0" y="0"/>
-          <a:ext cx="0" cy="0"/>
-          <a:chOff x="0" y="0"/>
-          <a:chExt cx="0" cy="0"/>
-        </a:xfrm>
-      </p:grpSpPr>
-      <p:sp>
-        <p:nvSpPr>
-          <p:cNvPr id="2" name="Title 1">
-            <a:extLst>
-              <a:ext uri="{FF2B5EF4-FFF2-40B4-BE49-F238E27FC236}">
-                <a16:creationId xmlns:a16="http://schemas.microsoft.com/office/drawing/2014/main" id="{02A8E8EC-9E6A-F683-0489-B26AE743956C}"/>
-              </a:ext>
-            </a:extLst>
-          </p:cNvPr>
-          <p:cNvSpPr>
-            <a:spLocks noGrp="1"/>
-          </p:cNvSpPr>
-          <p:nvPr>
-            <p:ph type="title"/>
-          </p:nvPr>
-        </p:nvSpPr>
-        <p:spPr/>
-        <p:txBody>
-          <a:bodyPr>
-            <a:normAutofit/>
-          </a:bodyPr>
-          <a:lstStyle/>
-          <a:p>
-            <a:r>
-              <a:rPr lang="en-US" sz="3600" dirty="0"/>
-              <a:t>Mean and Standard Deviation of </a:t>
-            </a:r>
-            <a:r>
-              <a:rPr lang="en-US" sz="3600" u="sng" dirty="0"/>
-              <a:t>Discrete</a:t>
-            </a:r>
-            <a:r>
-              <a:rPr lang="en-US" sz="3600" dirty="0"/>
-              <a:t> Random Variables</a:t>
-            </a:r>
-          </a:p>
-        </p:txBody>
-      </p:sp>
-      <mc:AlternateContent xmlns:mc="http://schemas.openxmlformats.org/markup-compatibility/2006" xmlns:a14="http://schemas.microsoft.com/office/drawing/2010/main">
-        <mc:Choice Requires="a14">
-          <p:sp>
-            <p:nvSpPr>
-              <p:cNvPr id="3" name="Content Placeholder 2">
-                <a:extLst>
-                  <a:ext uri="{FF2B5EF4-FFF2-40B4-BE49-F238E27FC236}">
-                    <a16:creationId xmlns:a16="http://schemas.microsoft.com/office/drawing/2014/main" id="{40B764C1-42F0-AE1F-85C2-1808DC200926}"/>
-                  </a:ext>
-                </a:extLst>
-              </p:cNvPr>
-              <p:cNvSpPr>
-                <a:spLocks noGrp="1"/>
-              </p:cNvSpPr>
-              <p:nvPr>
-                <p:ph idx="1"/>
-              </p:nvPr>
-            </p:nvSpPr>
-            <p:spPr>
-              <a:xfrm>
-                <a:off x="838200" y="1825624"/>
-                <a:ext cx="10515600" cy="5032375"/>
-              </a:xfrm>
-            </p:spPr>
-            <p:txBody>
-              <a:bodyPr>
-                <a:normAutofit fontScale="85000" lnSpcReduction="10000"/>
-              </a:bodyPr>
-              <a:lstStyle/>
-              <a:p>
-                <a:r>
-                  <a:rPr lang="en-US" dirty="0"/>
-                  <a:t>The mean of a probability distribution is defined as </a:t>
-                </a:r>
-              </a:p>
-              <a:p>
-                <a:pPr marL="0" indent="0">
-                  <a:buNone/>
-                </a:pPr>
-                <a14:m>
-                  <m:oMathPara xmlns:m="http://schemas.openxmlformats.org/officeDocument/2006/math">
-                    <m:oMathParaPr>
-                      <m:jc m:val="centerGroup"/>
-                    </m:oMathParaPr>
-                    <m:oMath xmlns:m="http://schemas.openxmlformats.org/officeDocument/2006/math">
-                      <m:r>
-                        <a:rPr lang="en-US" b="0" i="1" smtClean="0">
-                          <a:latin typeface="Cambria Math" panose="02040503050406030204" pitchFamily="18" charset="0"/>
-                        </a:rPr>
-                        <m:t>𝜇</m:t>
-                      </m:r>
-                      <m:r>
-                        <a:rPr lang="en-US" b="0" i="1" smtClean="0">
-                          <a:latin typeface="Cambria Math" panose="02040503050406030204" pitchFamily="18" charset="0"/>
-                        </a:rPr>
-                        <m:t>=</m:t>
-                      </m:r>
-                      <m:nary>
-                        <m:naryPr>
-                          <m:chr m:val="∑"/>
-                          <m:supHide m:val="on"/>
-                          <m:ctrlPr>
-                            <a:rPr lang="en-US" b="0" i="1" smtClean="0">
-                              <a:latin typeface="Cambria Math" panose="02040503050406030204" pitchFamily="18" charset="0"/>
-                            </a:rPr>
-                          </m:ctrlPr>
-                        </m:naryPr>
-                        <m:sub>
-                          <m:r>
-                            <a:rPr lang="en-US" b="0" i="1" smtClean="0">
-                              <a:latin typeface="Cambria Math" panose="02040503050406030204" pitchFamily="18" charset="0"/>
-                            </a:rPr>
-                            <m:t>𝑥</m:t>
-                          </m:r>
-                        </m:sub>
-                        <m:sup/>
-                        <m:e>
-                          <m:r>
-                            <a:rPr lang="en-US" b="0" i="1" smtClean="0">
-                              <a:latin typeface="Cambria Math" panose="02040503050406030204" pitchFamily="18" charset="0"/>
-                            </a:rPr>
-                            <m:t>𝑥𝑃</m:t>
-                          </m:r>
-                          <m:r>
-                            <a:rPr lang="en-US" b="0" i="1" smtClean="0">
-                              <a:latin typeface="Cambria Math" panose="02040503050406030204" pitchFamily="18" charset="0"/>
-                            </a:rPr>
-                            <m:t>(</m:t>
-                          </m:r>
-                          <m:r>
-                            <a:rPr lang="en-US" b="0" i="1" smtClean="0">
-                              <a:latin typeface="Cambria Math" panose="02040503050406030204" pitchFamily="18" charset="0"/>
-                            </a:rPr>
-                            <m:t>𝑥</m:t>
-                          </m:r>
-                          <m:r>
-                            <a:rPr lang="en-US" b="0" i="1" smtClean="0">
-                              <a:latin typeface="Cambria Math" panose="02040503050406030204" pitchFamily="18" charset="0"/>
-                            </a:rPr>
-                            <m:t>)</m:t>
-                          </m:r>
-                        </m:e>
-                      </m:nary>
-                    </m:oMath>
-                  </m:oMathPara>
-                </a14:m>
-                <a:endParaRPr lang="en-US" dirty="0"/>
-              </a:p>
-              <a:p>
-                <a:pPr marL="0" indent="0">
-                  <a:buNone/>
-                </a:pPr>
-                <a:endParaRPr lang="en-US" dirty="0"/>
-              </a:p>
-              <a:p>
-                <a:r>
-                  <a:rPr lang="en-US" dirty="0"/>
-                  <a:t>The variance and standard deviation of a probability distribution are defined as</a:t>
-                </a:r>
-              </a:p>
-              <a:p>
-                <a:pPr marL="0" indent="0">
-                  <a:buNone/>
-                </a:pPr>
-                <a14:m>
-                  <m:oMathPara xmlns:m="http://schemas.openxmlformats.org/officeDocument/2006/math">
-                    <m:oMathParaPr>
-                      <m:jc m:val="centerGroup"/>
-                    </m:oMathParaPr>
-                    <m:oMath xmlns:m="http://schemas.openxmlformats.org/officeDocument/2006/math">
-                      <m:sSup>
-                        <m:sSupPr>
-                          <m:ctrlPr>
-                            <a:rPr lang="en-US" b="0" i="1" smtClean="0">
-                              <a:latin typeface="Cambria Math" panose="02040503050406030204" pitchFamily="18" charset="0"/>
-                            </a:rPr>
-                          </m:ctrlPr>
-                        </m:sSupPr>
-                        <m:e>
-                          <m:r>
-                            <a:rPr lang="en-US" b="0" i="1" smtClean="0">
-                              <a:latin typeface="Cambria Math" panose="02040503050406030204" pitchFamily="18" charset="0"/>
-                            </a:rPr>
-                            <m:t>𝜎</m:t>
-                          </m:r>
-                        </m:e>
-                        <m:sup>
-                          <m:r>
-                            <a:rPr lang="en-US" b="0" i="1" smtClean="0">
-                              <a:latin typeface="Cambria Math" panose="02040503050406030204" pitchFamily="18" charset="0"/>
-                            </a:rPr>
-                            <m:t>2</m:t>
-                          </m:r>
-                        </m:sup>
-                      </m:sSup>
-                      <m:r>
-                        <a:rPr lang="en-US" b="0" i="1" smtClean="0">
-                          <a:latin typeface="Cambria Math" panose="02040503050406030204" pitchFamily="18" charset="0"/>
-                        </a:rPr>
-                        <m:t>=</m:t>
-                      </m:r>
-                      <m:nary>
-                        <m:naryPr>
-                          <m:chr m:val="∑"/>
-                          <m:supHide m:val="on"/>
-                          <m:ctrlPr>
-                            <a:rPr lang="en-US" b="0" i="1" smtClean="0">
-                              <a:latin typeface="Cambria Math" panose="02040503050406030204" pitchFamily="18" charset="0"/>
-                            </a:rPr>
-                          </m:ctrlPr>
-                        </m:naryPr>
-                        <m:sub>
-                          <m:r>
-                            <a:rPr lang="en-US" b="0" i="1" smtClean="0">
-                              <a:latin typeface="Cambria Math" panose="02040503050406030204" pitchFamily="18" charset="0"/>
-                            </a:rPr>
-                            <m:t>𝑥</m:t>
-                          </m:r>
-                        </m:sub>
-                        <m:sup/>
-                        <m:e>
-                          <m:sSup>
-                            <m:sSupPr>
-                              <m:ctrlPr>
-                                <a:rPr lang="en-US" b="0" i="1" smtClean="0">
-                                  <a:latin typeface="Cambria Math" panose="02040503050406030204" pitchFamily="18" charset="0"/>
-                                </a:rPr>
-                              </m:ctrlPr>
-                            </m:sSupPr>
-                            <m:e>
-                              <m:d>
-                                <m:dPr>
-                                  <m:ctrlPr>
-                                    <a:rPr lang="en-US" b="0" i="1" smtClean="0">
-                                      <a:latin typeface="Cambria Math" panose="02040503050406030204" pitchFamily="18" charset="0"/>
-                                    </a:rPr>
-                                  </m:ctrlPr>
-                                </m:dPr>
-                                <m:e>
-                                  <m:r>
-                                    <a:rPr lang="en-US" b="0" i="1" smtClean="0">
-                                      <a:latin typeface="Cambria Math" panose="02040503050406030204" pitchFamily="18" charset="0"/>
-                                    </a:rPr>
-                                    <m:t>𝑥</m:t>
-                                  </m:r>
-                                  <m:r>
-                                    <a:rPr lang="en-US" b="0" i="1" smtClean="0">
-                                      <a:latin typeface="Cambria Math" panose="02040503050406030204" pitchFamily="18" charset="0"/>
-                                    </a:rPr>
-                                    <m:t> −</m:t>
-                                  </m:r>
-                                  <m:r>
-                                    <a:rPr lang="en-US" b="0" i="1" smtClean="0">
-                                      <a:latin typeface="Cambria Math" panose="02040503050406030204" pitchFamily="18" charset="0"/>
-                                    </a:rPr>
-                                    <m:t>𝜇</m:t>
-                                  </m:r>
-                                </m:e>
-                              </m:d>
-                            </m:e>
-                            <m:sup>
-                              <m:r>
-                                <a:rPr lang="en-US" b="0" i="1" smtClean="0">
-                                  <a:latin typeface="Cambria Math" panose="02040503050406030204" pitchFamily="18" charset="0"/>
-                                </a:rPr>
-                                <m:t>2</m:t>
-                              </m:r>
-                            </m:sup>
-                          </m:sSup>
-                          <m:r>
-                            <a:rPr lang="en-US" b="0" i="1" smtClean="0">
-                              <a:latin typeface="Cambria Math" panose="02040503050406030204" pitchFamily="18" charset="0"/>
-                            </a:rPr>
-                            <m:t>𝑃</m:t>
-                          </m:r>
-                          <m:r>
-                            <a:rPr lang="en-US" b="0" i="1" smtClean="0">
-                              <a:latin typeface="Cambria Math" panose="02040503050406030204" pitchFamily="18" charset="0"/>
-                            </a:rPr>
-                            <m:t>(</m:t>
-                          </m:r>
-                          <m:r>
-                            <a:rPr lang="en-US" b="0" i="1" smtClean="0">
-                              <a:latin typeface="Cambria Math" panose="02040503050406030204" pitchFamily="18" charset="0"/>
-                            </a:rPr>
-                            <m:t>𝑥</m:t>
-                          </m:r>
-                        </m:e>
-                      </m:nary>
-                      <m:r>
-                        <a:rPr lang="en-US" b="0" i="1" smtClean="0">
-                          <a:latin typeface="Cambria Math" panose="02040503050406030204" pitchFamily="18" charset="0"/>
-                        </a:rPr>
-                        <m:t>)</m:t>
-                      </m:r>
-                    </m:oMath>
-                  </m:oMathPara>
-                </a14:m>
-                <a:endParaRPr lang="en-US" b="0" dirty="0"/>
-              </a:p>
-              <a:p>
-                <a:pPr marL="0" indent="0">
-                  <a:buNone/>
-                </a:pPr>
-                <a:endParaRPr lang="en-US" dirty="0"/>
-              </a:p>
-              <a:p>
-                <a:pPr marL="0" indent="0">
-                  <a:buNone/>
-                </a:pPr>
-                <a14:m>
-                  <m:oMathPara xmlns:m="http://schemas.openxmlformats.org/officeDocument/2006/math">
-                    <m:oMathParaPr>
-                      <m:jc m:val="centerGroup"/>
-                    </m:oMathParaPr>
-                    <m:oMath xmlns:m="http://schemas.openxmlformats.org/officeDocument/2006/math">
-                      <m:r>
-                        <a:rPr lang="en-US" b="0" i="1" smtClean="0">
-                          <a:latin typeface="Cambria Math" panose="02040503050406030204" pitchFamily="18" charset="0"/>
-                        </a:rPr>
-                        <m:t>𝜎</m:t>
-                      </m:r>
-                      <m:r>
-                        <a:rPr lang="en-US" b="0" i="1" smtClean="0">
-                          <a:latin typeface="Cambria Math" panose="02040503050406030204" pitchFamily="18" charset="0"/>
-                        </a:rPr>
-                        <m:t>=</m:t>
-                      </m:r>
-                      <m:rad>
-                        <m:radPr>
-                          <m:degHide m:val="on"/>
-                          <m:ctrlPr>
-                            <a:rPr lang="en-US" b="0" i="1" smtClean="0">
-                              <a:latin typeface="Cambria Math" panose="02040503050406030204" pitchFamily="18" charset="0"/>
-                            </a:rPr>
-                          </m:ctrlPr>
-                        </m:radPr>
-                        <m:deg/>
-                        <m:e>
-                          <m:sSup>
-                            <m:sSupPr>
-                              <m:ctrlPr>
-                                <a:rPr lang="en-US" b="0" i="1" smtClean="0">
-                                  <a:latin typeface="Cambria Math" panose="02040503050406030204" pitchFamily="18" charset="0"/>
-                                </a:rPr>
-                              </m:ctrlPr>
-                            </m:sSupPr>
-                            <m:e>
-                              <m:r>
-                                <a:rPr lang="en-US" b="0" i="1" smtClean="0">
-                                  <a:latin typeface="Cambria Math" panose="02040503050406030204" pitchFamily="18" charset="0"/>
-                                </a:rPr>
-                                <m:t>𝜎</m:t>
-                              </m:r>
-                            </m:e>
-                            <m:sup>
-                              <m:r>
-                                <a:rPr lang="en-US" b="0" i="1" smtClean="0">
-                                  <a:latin typeface="Cambria Math" panose="02040503050406030204" pitchFamily="18" charset="0"/>
-                                </a:rPr>
-                                <m:t>2</m:t>
-                              </m:r>
-                            </m:sup>
-                          </m:sSup>
-                        </m:e>
-                      </m:rad>
-                      <m:r>
-                        <a:rPr lang="en-US" b="0" i="1" smtClean="0">
-                          <a:latin typeface="Cambria Math" panose="02040503050406030204" pitchFamily="18" charset="0"/>
-                        </a:rPr>
-                        <m:t>=</m:t>
-                      </m:r>
-                      <m:rad>
-                        <m:radPr>
-                          <m:degHide m:val="on"/>
-                          <m:ctrlPr>
-                            <a:rPr lang="en-US" b="0" i="1" smtClean="0">
-                              <a:latin typeface="Cambria Math" panose="02040503050406030204" pitchFamily="18" charset="0"/>
-                            </a:rPr>
-                          </m:ctrlPr>
-                        </m:radPr>
-                        <m:deg/>
-                        <m:e>
-                          <m:nary>
-                            <m:naryPr>
-                              <m:chr m:val="∑"/>
-                              <m:supHide m:val="on"/>
-                              <m:ctrlPr>
-                                <a:rPr lang="en-US" i="1">
-                                  <a:latin typeface="Cambria Math" panose="02040503050406030204" pitchFamily="18" charset="0"/>
-                                </a:rPr>
-                              </m:ctrlPr>
-                            </m:naryPr>
-                            <m:sub>
-                              <m:r>
-                                <a:rPr lang="en-US" i="1">
-                                  <a:latin typeface="Cambria Math" panose="02040503050406030204" pitchFamily="18" charset="0"/>
-                                </a:rPr>
-                                <m:t>𝑥</m:t>
-                              </m:r>
-                            </m:sub>
-                            <m:sup/>
-                            <m:e>
-                              <m:sSup>
-                                <m:sSupPr>
-                                  <m:ctrlPr>
-                                    <a:rPr lang="en-US" i="1">
-                                      <a:latin typeface="Cambria Math" panose="02040503050406030204" pitchFamily="18" charset="0"/>
-                                    </a:rPr>
-                                  </m:ctrlPr>
-                                </m:sSupPr>
-                                <m:e>
-                                  <m:d>
-                                    <m:dPr>
-                                      <m:ctrlPr>
-                                        <a:rPr lang="en-US" i="1">
-                                          <a:latin typeface="Cambria Math" panose="02040503050406030204" pitchFamily="18" charset="0"/>
-                                        </a:rPr>
-                                      </m:ctrlPr>
-                                    </m:dPr>
-                                    <m:e>
-                                      <m:r>
-                                        <a:rPr lang="en-US" i="1">
-                                          <a:latin typeface="Cambria Math" panose="02040503050406030204" pitchFamily="18" charset="0"/>
-                                        </a:rPr>
-                                        <m:t>𝑥</m:t>
-                                      </m:r>
-                                      <m:r>
-                                        <a:rPr lang="en-US" i="1">
-                                          <a:latin typeface="Cambria Math" panose="02040503050406030204" pitchFamily="18" charset="0"/>
-                                        </a:rPr>
-                                        <m:t> −</m:t>
-                                      </m:r>
-                                      <m:r>
-                                        <a:rPr lang="en-US" i="1">
-                                          <a:latin typeface="Cambria Math" panose="02040503050406030204" pitchFamily="18" charset="0"/>
-                                        </a:rPr>
-                                        <m:t>𝜇</m:t>
-                                      </m:r>
-                                    </m:e>
-                                  </m:d>
-                                </m:e>
-                                <m:sup>
-                                  <m:r>
-                                    <a:rPr lang="en-US" i="1">
-                                      <a:latin typeface="Cambria Math" panose="02040503050406030204" pitchFamily="18" charset="0"/>
-                                    </a:rPr>
-                                    <m:t>2</m:t>
-                                  </m:r>
-                                </m:sup>
-                              </m:sSup>
-                              <m:r>
-                                <a:rPr lang="en-US" i="1">
-                                  <a:latin typeface="Cambria Math" panose="02040503050406030204" pitchFamily="18" charset="0"/>
-                                </a:rPr>
-                                <m:t>𝑃</m:t>
-                              </m:r>
-                              <m:r>
-                                <a:rPr lang="en-US" i="1">
-                                  <a:latin typeface="Cambria Math" panose="02040503050406030204" pitchFamily="18" charset="0"/>
-                                </a:rPr>
-                                <m:t>(</m:t>
-                              </m:r>
-                              <m:r>
-                                <a:rPr lang="en-US" i="1">
-                                  <a:latin typeface="Cambria Math" panose="02040503050406030204" pitchFamily="18" charset="0"/>
-                                </a:rPr>
-                                <m:t>𝑥</m:t>
-                              </m:r>
-                            </m:e>
-                          </m:nary>
-                          <m:r>
-                            <a:rPr lang="en-US" i="1">
-                              <a:latin typeface="Cambria Math" panose="02040503050406030204" pitchFamily="18" charset="0"/>
-                            </a:rPr>
-                            <m:t>)</m:t>
-                          </m:r>
-                          <m:r>
-                            <m:rPr>
-                              <m:nor/>
-                            </m:rPr>
-                            <a:rPr lang="en-US" dirty="0"/>
-                            <m:t> </m:t>
-                          </m:r>
-                        </m:e>
-                      </m:rad>
-                    </m:oMath>
-                  </m:oMathPara>
-                </a14:m>
-                <a:endParaRPr lang="en-US" b="0" dirty="0"/>
-              </a:p>
-              <a:p>
-                <a:pPr marL="0" indent="0">
-                  <a:buNone/>
-                </a:pPr>
-                <a:r>
-                  <a:rPr lang="en-US" dirty="0"/>
-                  <a:t>Where </a:t>
-                </a:r>
-                <a14:m>
-                  <m:oMath xmlns:m="http://schemas.openxmlformats.org/officeDocument/2006/math">
-                    <m:r>
-                      <a:rPr lang="en-US" b="0" i="1" smtClean="0">
-                        <a:latin typeface="Cambria Math" panose="02040503050406030204" pitchFamily="18" charset="0"/>
-                      </a:rPr>
-                      <m:t>𝑥</m:t>
-                    </m:r>
-                  </m:oMath>
-                </a14:m>
-                <a:r>
-                  <a:rPr lang="en-US" b="0" dirty="0"/>
-                  <a:t> denotes </a:t>
-                </a:r>
-                <a:r>
-                  <a:rPr lang="en-US" dirty="0"/>
-                  <a:t>an outcome</a:t>
-                </a:r>
-                <a:r>
-                  <a:rPr lang="en-US" b="0" dirty="0"/>
-                  <a:t> of the random variable </a:t>
-                </a:r>
-                <a14:m>
-                  <m:oMath xmlns:m="http://schemas.openxmlformats.org/officeDocument/2006/math">
-                    <m:r>
-                      <a:rPr lang="en-US" b="0" i="1" smtClean="0">
-                        <a:latin typeface="Cambria Math" panose="02040503050406030204" pitchFamily="18" charset="0"/>
-                      </a:rPr>
-                      <m:t>𝑋</m:t>
-                    </m:r>
-                  </m:oMath>
-                </a14:m>
-                <a:r>
-                  <a:rPr lang="en-US" b="0" dirty="0"/>
-                  <a:t> and </a:t>
-                </a:r>
-                <a14:m>
-                  <m:oMath xmlns:m="http://schemas.openxmlformats.org/officeDocument/2006/math">
-                    <m:r>
-                      <a:rPr lang="en-US" b="0" i="1" smtClean="0">
-                        <a:latin typeface="Cambria Math" panose="02040503050406030204" pitchFamily="18" charset="0"/>
-                      </a:rPr>
-                      <m:t>𝑃</m:t>
-                    </m:r>
-                    <m:r>
-                      <a:rPr lang="en-US" b="0" i="1" smtClean="0">
-                        <a:latin typeface="Cambria Math" panose="02040503050406030204" pitchFamily="18" charset="0"/>
-                      </a:rPr>
-                      <m:t>(</m:t>
-                    </m:r>
-                    <m:r>
-                      <a:rPr lang="en-US" b="0" i="1" smtClean="0">
-                        <a:latin typeface="Cambria Math" panose="02040503050406030204" pitchFamily="18" charset="0"/>
-                      </a:rPr>
-                      <m:t>𝑥</m:t>
-                    </m:r>
-                    <m:r>
-                      <a:rPr lang="en-US" b="0" i="1" smtClean="0">
-                        <a:latin typeface="Cambria Math" panose="02040503050406030204" pitchFamily="18" charset="0"/>
-                      </a:rPr>
-                      <m:t>)</m:t>
-                    </m:r>
-                  </m:oMath>
-                </a14:m>
-                <a:r>
-                  <a:rPr lang="en-US" b="0" dirty="0"/>
-                  <a:t> denotes the probability of </a:t>
-                </a:r>
-                <a:r>
-                  <a:rPr lang="en-US" dirty="0"/>
-                  <a:t>the outcome</a:t>
-                </a:r>
-                <a:endParaRPr lang="en-US" b="0" dirty="0"/>
-              </a:p>
-              <a:p>
-                <a:pPr marL="0" indent="0">
-                  <a:buNone/>
-                </a:pPr>
-                <a:endParaRPr lang="en-US" dirty="0"/>
-              </a:p>
-            </p:txBody>
-          </p:sp>
-        </mc:Choice>
-        <mc:Fallback xmlns="">
-          <p:sp>
-            <p:nvSpPr>
-              <p:cNvPr id="3" name="Content Placeholder 2">
-                <a:extLst>
-                  <a:ext uri="{FF2B5EF4-FFF2-40B4-BE49-F238E27FC236}">
-                    <a16:creationId xmlns:a16="http://schemas.microsoft.com/office/drawing/2014/main" id="{40B764C1-42F0-AE1F-85C2-1808DC200926}"/>
-                  </a:ext>
-                </a:extLst>
-              </p:cNvPr>
-              <p:cNvSpPr>
-                <a:spLocks noGrp="1" noRot="1" noChangeAspect="1" noMove="1" noResize="1" noEditPoints="1" noAdjustHandles="1" noChangeArrowheads="1" noChangeShapeType="1" noTextEdit="1"/>
-              </p:cNvSpPr>
-              <p:nvPr>
-                <p:ph idx="1"/>
-              </p:nvPr>
-            </p:nvSpPr>
-            <p:spPr>
-              <a:xfrm>
-                <a:off x="838200" y="1825624"/>
-                <a:ext cx="10515600" cy="5032375"/>
-              </a:xfrm>
-              <a:blipFill>
-                <a:blip r:embed="rId2"/>
-                <a:stretch>
-                  <a:fillRect l="-928" t="-2300" b="-726"/>
-                </a:stretch>
-              </a:blipFill>
-            </p:spPr>
-            <p:txBody>
-              <a:bodyPr/>
-              <a:lstStyle/>
-              <a:p>
-                <a:r>
-                  <a:rPr lang="en-US">
-                    <a:noFill/>
-                  </a:rPr>
-                  <a:t> </a:t>
-                </a:r>
-              </a:p>
-            </p:txBody>
-          </p:sp>
-        </mc:Fallback>
-      </mc:AlternateContent>
-    </p:spTree>
-    <p:extLst>
-      <p:ext uri="{BB962C8B-B14F-4D97-AF65-F5344CB8AC3E}">
-        <p14:creationId xmlns:p14="http://schemas.microsoft.com/office/powerpoint/2010/main" val="2622511931"/>
-      </p:ext>
-    </p:extLst>
-  </p:cSld>
-  <p:clrMapOvr>
-    <a:masterClrMapping/>
-  </p:clrMapOvr>
-</p:sld>
-</file>
-
-<file path=ppt/slides/slide16.xml><?xml version="1.0" encoding="utf-8"?>
-<p:sld xmlns:a="http://schemas.openxmlformats.org/drawingml/2006/main" xmlns:r="http://schemas.openxmlformats.org/officeDocument/2006/relationships" xmlns:p="http://schemas.openxmlformats.org/presentationml/2006/main">
-  <p:cSld>
-    <p:spTree>
-      <p:nvGrpSpPr>
-        <p:cNvPr id="1" name=""/>
-        <p:cNvGrpSpPr/>
-        <p:nvPr/>
-      </p:nvGrpSpPr>
-      <p:grpSpPr>
-        <a:xfrm>
-          <a:off x="0" y="0"/>
-          <a:ext cx="0" cy="0"/>
-          <a:chOff x="0" y="0"/>
-          <a:chExt cx="0" cy="0"/>
-        </a:xfrm>
-      </p:grpSpPr>
-      <p:sp>
-        <p:nvSpPr>
-          <p:cNvPr id="2" name="Title 1">
-            <a:extLst>
-              <a:ext uri="{FF2B5EF4-FFF2-40B4-BE49-F238E27FC236}">
-                <a16:creationId xmlns:a16="http://schemas.microsoft.com/office/drawing/2014/main" id="{8146B460-A143-9371-402E-99E64CDF6240}"/>
-              </a:ext>
-            </a:extLst>
-          </p:cNvPr>
-          <p:cNvSpPr>
-            <a:spLocks noGrp="1"/>
-          </p:cNvSpPr>
-          <p:nvPr>
-            <p:ph type="title"/>
-          </p:nvPr>
-        </p:nvSpPr>
-        <p:spPr>
-          <a:xfrm>
-            <a:off x="1137034" y="609597"/>
-            <a:ext cx="9392421" cy="1330841"/>
-          </a:xfrm>
-        </p:spPr>
-        <p:txBody>
-          <a:bodyPr>
-            <a:normAutofit/>
-          </a:bodyPr>
-          <a:lstStyle/>
-          <a:p>
-            <a:r>
-              <a:rPr lang="en-US" dirty="0"/>
-              <a:t>The Bernoulli distribution </a:t>
-            </a:r>
-          </a:p>
-        </p:txBody>
-      </p:sp>
-      <mc:AlternateContent xmlns:mc="http://schemas.openxmlformats.org/markup-compatibility/2006" xmlns:a14="http://schemas.microsoft.com/office/drawing/2010/main">
-        <mc:Choice Requires="a14">
-          <p:sp>
-            <p:nvSpPr>
-              <p:cNvPr id="3" name="Content Placeholder 2">
-                <a:extLst>
-                  <a:ext uri="{FF2B5EF4-FFF2-40B4-BE49-F238E27FC236}">
-                    <a16:creationId xmlns:a16="http://schemas.microsoft.com/office/drawing/2014/main" id="{7660FA45-FC94-F207-B943-7E82380CA120}"/>
-                  </a:ext>
-                </a:extLst>
-              </p:cNvPr>
-              <p:cNvSpPr>
-                <a:spLocks noGrp="1"/>
-              </p:cNvSpPr>
-              <p:nvPr>
-                <p:ph idx="1"/>
-              </p:nvPr>
-            </p:nvSpPr>
-            <p:spPr>
-              <a:xfrm>
-                <a:off x="1137034" y="1588656"/>
-                <a:ext cx="4958966" cy="4527480"/>
-              </a:xfrm>
-            </p:spPr>
-            <p:txBody>
-              <a:bodyPr>
-                <a:normAutofit fontScale="85000" lnSpcReduction="10000"/>
-              </a:bodyPr>
-              <a:lstStyle/>
-              <a:p>
-                <a:r>
-                  <a:rPr lang="en-US" sz="2000" dirty="0"/>
-                  <a:t>The </a:t>
-                </a:r>
-                <a:r>
-                  <a:rPr lang="en-US" sz="2000" b="1" dirty="0"/>
-                  <a:t>probability mass function (PMF) </a:t>
-                </a:r>
-                <a:r>
-                  <a:rPr lang="en-US" sz="2000" dirty="0"/>
-                  <a:t>of a discrete random is a function that gives the probability that the variable is exactly equal to some value</a:t>
-                </a:r>
-              </a:p>
-              <a:p>
-                <a:r>
-                  <a:rPr lang="en-US" sz="2000" dirty="0"/>
-                  <a:t>A Bernoulli random variable is on which there are two possible outcomes with probabilities </a:t>
-                </a:r>
-                <a14:m>
-                  <m:oMath xmlns:m="http://schemas.openxmlformats.org/officeDocument/2006/math">
-                    <m:r>
-                      <a:rPr lang="en-US" sz="2000" b="0" i="1">
-                        <a:latin typeface="Cambria Math" panose="02040503050406030204" pitchFamily="18" charset="0"/>
-                      </a:rPr>
-                      <m:t>𝑝</m:t>
-                    </m:r>
-                  </m:oMath>
-                </a14:m>
-                <a:r>
-                  <a:rPr lang="en-US" sz="2000" dirty="0"/>
-                  <a:t> and </a:t>
-                </a:r>
-                <a14:m>
-                  <m:oMath xmlns:m="http://schemas.openxmlformats.org/officeDocument/2006/math">
-                    <m:r>
-                      <a:rPr lang="en-US" sz="2000" b="0" i="1">
-                        <a:latin typeface="Cambria Math" panose="02040503050406030204" pitchFamily="18" charset="0"/>
-                      </a:rPr>
-                      <m:t>1 −</m:t>
-                    </m:r>
-                    <m:r>
-                      <a:rPr lang="en-US" sz="2000" b="0" i="1">
-                        <a:latin typeface="Cambria Math" panose="02040503050406030204" pitchFamily="18" charset="0"/>
-                      </a:rPr>
-                      <m:t>𝑝</m:t>
-                    </m:r>
-                  </m:oMath>
-                </a14:m>
-                <a:endParaRPr lang="en-US" sz="2000" dirty="0"/>
-              </a:p>
-              <a:p>
-                <a:endParaRPr lang="en-US" sz="2000" dirty="0"/>
-              </a:p>
-              <a:p>
-                <a:r>
-                  <a:rPr lang="en-US" sz="2000" dirty="0"/>
-                  <a:t>Whenever we assign the outcomes of a random variable to either “success” or “failure” (1 or 0)  we are dealing with a Bernoulli random variable </a:t>
-                </a:r>
-              </a:p>
-              <a:p>
-                <a:pPr marL="0" indent="0">
-                  <a:buNone/>
-                </a:pPr>
-                <a14:m>
-                  <m:oMathPara xmlns:m="http://schemas.openxmlformats.org/officeDocument/2006/math">
-                    <m:oMathParaPr>
-                      <m:jc m:val="centerGroup"/>
-                    </m:oMathParaPr>
-                    <m:oMath xmlns:m="http://schemas.openxmlformats.org/officeDocument/2006/math">
-                      <m:r>
-                        <m:rPr>
-                          <m:sty m:val="p"/>
-                        </m:rPr>
-                        <a:rPr lang="en-US" sz="2000" b="0" i="0" smtClean="0">
-                          <a:latin typeface="Cambria Math" panose="02040503050406030204" pitchFamily="18" charset="0"/>
-                        </a:rPr>
-                        <m:t>mean</m:t>
-                      </m:r>
-                      <m:r>
-                        <a:rPr lang="en-US" sz="2000" b="0" i="1" smtClean="0">
-                          <a:latin typeface="Cambria Math" panose="02040503050406030204" pitchFamily="18" charset="0"/>
-                        </a:rPr>
-                        <m:t>=</m:t>
-                      </m:r>
-                      <m:r>
-                        <a:rPr lang="en-US" sz="2000" b="0" i="1" smtClean="0">
-                          <a:latin typeface="Cambria Math" panose="02040503050406030204" pitchFamily="18" charset="0"/>
-                        </a:rPr>
-                        <m:t>𝑝</m:t>
-                      </m:r>
-                    </m:oMath>
-                  </m:oMathPara>
-                </a14:m>
-                <a:endParaRPr lang="en-US" sz="2000" b="0" dirty="0"/>
-              </a:p>
-              <a:p>
-                <a:pPr marL="0" indent="0">
-                  <a:buNone/>
-                </a:pPr>
-                <a:endParaRPr lang="en-US" sz="2000" b="0" dirty="0"/>
-              </a:p>
-              <a:p>
-                <a:pPr marL="0" indent="0">
-                  <a:buNone/>
-                </a:pPr>
-                <a14:m>
-                  <m:oMathPara xmlns:m="http://schemas.openxmlformats.org/officeDocument/2006/math">
-                    <m:oMathParaPr>
-                      <m:jc m:val="centerGroup"/>
-                    </m:oMathParaPr>
-                    <m:oMath xmlns:m="http://schemas.openxmlformats.org/officeDocument/2006/math">
-                      <m:r>
-                        <m:rPr>
-                          <m:sty m:val="p"/>
-                        </m:rPr>
-                        <a:rPr lang="en-US" sz="2000" b="0" i="0" smtClean="0">
-                          <a:latin typeface="Cambria Math" panose="02040503050406030204" pitchFamily="18" charset="0"/>
-                        </a:rPr>
-                        <m:t>variance</m:t>
-                      </m:r>
-                      <m:r>
-                        <a:rPr lang="en-US" sz="2000" b="0" i="0" smtClean="0">
-                          <a:latin typeface="Cambria Math" panose="02040503050406030204" pitchFamily="18" charset="0"/>
-                        </a:rPr>
-                        <m:t>=</m:t>
-                      </m:r>
-                      <m:r>
-                        <a:rPr lang="en-US" sz="2000" b="0" i="1" smtClean="0">
-                          <a:latin typeface="Cambria Math" panose="02040503050406030204" pitchFamily="18" charset="0"/>
-                        </a:rPr>
-                        <m:t>𝑝</m:t>
-                      </m:r>
-                      <m:r>
-                        <a:rPr lang="en-US" sz="2000" b="0" i="1" smtClean="0">
-                          <a:latin typeface="Cambria Math" panose="02040503050406030204" pitchFamily="18" charset="0"/>
-                        </a:rPr>
-                        <m:t>(1−</m:t>
-                      </m:r>
-                      <m:r>
-                        <a:rPr lang="en-US" sz="2000" b="0" i="1" smtClean="0">
-                          <a:latin typeface="Cambria Math" panose="02040503050406030204" pitchFamily="18" charset="0"/>
-                        </a:rPr>
-                        <m:t>𝑝</m:t>
-                      </m:r>
-                      <m:r>
-                        <a:rPr lang="en-US" sz="2000" b="0" i="1" smtClean="0">
-                          <a:latin typeface="Cambria Math" panose="02040503050406030204" pitchFamily="18" charset="0"/>
-                        </a:rPr>
-                        <m:t>)</m:t>
-                      </m:r>
-                    </m:oMath>
-                  </m:oMathPara>
-                </a14:m>
-                <a:endParaRPr lang="en-US" sz="2000" b="0" dirty="0"/>
-              </a:p>
-              <a:p>
-                <a:pPr marL="0" indent="0">
-                  <a:buNone/>
-                </a:pPr>
-                <a:endParaRPr lang="en-US" sz="2000" dirty="0"/>
-              </a:p>
-              <a:p>
-                <a:pPr marL="0" indent="0">
-                  <a:buNone/>
-                </a:pPr>
-                <a14:m>
-                  <m:oMathPara xmlns:m="http://schemas.openxmlformats.org/officeDocument/2006/math">
-                    <m:oMathParaPr>
-                      <m:jc m:val="centerGroup"/>
-                    </m:oMathParaPr>
-                    <m:oMath xmlns:m="http://schemas.openxmlformats.org/officeDocument/2006/math">
-                      <m:r>
-                        <m:rPr>
-                          <m:sty m:val="p"/>
-                        </m:rPr>
-                        <a:rPr lang="en-US" sz="2000" b="0" i="0" smtClean="0">
-                          <a:latin typeface="Cambria Math" panose="02040503050406030204" pitchFamily="18" charset="0"/>
-                        </a:rPr>
-                        <m:t>PMF</m:t>
-                      </m:r>
-                      <m:r>
-                        <a:rPr lang="en-US" sz="2000" b="0" i="0" smtClean="0">
-                          <a:latin typeface="Cambria Math" panose="02040503050406030204" pitchFamily="18" charset="0"/>
-                        </a:rPr>
-                        <m:t>:</m:t>
-                      </m:r>
-                      <m:r>
-                        <a:rPr lang="en-US" sz="2000" b="0" i="1" smtClean="0">
-                          <a:latin typeface="Cambria Math" panose="02040503050406030204" pitchFamily="18" charset="0"/>
-                        </a:rPr>
-                        <m:t>𝑃</m:t>
-                      </m:r>
-                      <m:d>
-                        <m:dPr>
-                          <m:ctrlPr>
-                            <a:rPr lang="en-US" sz="2000" b="0" i="1" smtClean="0">
-                              <a:latin typeface="Cambria Math" panose="02040503050406030204" pitchFamily="18" charset="0"/>
-                            </a:rPr>
-                          </m:ctrlPr>
-                        </m:dPr>
-                        <m:e>
-                          <m:r>
-                            <a:rPr lang="en-US" sz="2000" b="0" i="1" smtClean="0">
-                              <a:latin typeface="Cambria Math" panose="02040503050406030204" pitchFamily="18" charset="0"/>
-                            </a:rPr>
-                            <m:t>𝑋</m:t>
-                          </m:r>
-                          <m:r>
-                            <a:rPr lang="en-US" sz="2000" b="0" i="1" smtClean="0">
-                              <a:latin typeface="Cambria Math" panose="02040503050406030204" pitchFamily="18" charset="0"/>
-                            </a:rPr>
-                            <m:t>=</m:t>
-                          </m:r>
-                          <m:r>
-                            <a:rPr lang="en-US" sz="2000" b="0" i="1" smtClean="0">
-                              <a:latin typeface="Cambria Math" panose="02040503050406030204" pitchFamily="18" charset="0"/>
-                            </a:rPr>
-                            <m:t>𝑥</m:t>
-                          </m:r>
-                        </m:e>
-                      </m:d>
-                      <m:r>
-                        <a:rPr lang="en-US" sz="2000" b="0" i="1" smtClean="0">
-                          <a:latin typeface="Cambria Math" panose="02040503050406030204" pitchFamily="18" charset="0"/>
-                        </a:rPr>
-                        <m:t>=</m:t>
-                      </m:r>
-                      <m:d>
-                        <m:dPr>
-                          <m:begChr m:val="{"/>
-                          <m:endChr m:val=""/>
-                          <m:ctrlPr>
-                            <a:rPr lang="en-US" sz="2000" b="0" i="1" smtClean="0">
-                              <a:latin typeface="Cambria Math" panose="02040503050406030204" pitchFamily="18" charset="0"/>
-                            </a:rPr>
-                          </m:ctrlPr>
-                        </m:dPr>
-                        <m:e>
-                          <m:eqArr>
-                            <m:eqArrPr>
-                              <m:ctrlPr>
-                                <a:rPr lang="en-US" sz="2000" b="0" i="1" smtClean="0">
-                                  <a:latin typeface="Cambria Math" panose="02040503050406030204" pitchFamily="18" charset="0"/>
-                                </a:rPr>
-                              </m:ctrlPr>
-                            </m:eqArrPr>
-                            <m:e>
-                              <m:r>
-                                <a:rPr lang="en-US" sz="2000" b="0" i="1" smtClean="0">
-                                  <a:latin typeface="Cambria Math" panose="02040503050406030204" pitchFamily="18" charset="0"/>
-                                </a:rPr>
-                                <m:t>𝑝</m:t>
-                              </m:r>
-                              <m:r>
-                                <a:rPr lang="en-US" sz="2000" b="0" i="1" smtClean="0">
-                                  <a:latin typeface="Cambria Math" panose="02040503050406030204" pitchFamily="18" charset="0"/>
-                                </a:rPr>
-                                <m:t>,  </m:t>
-                              </m:r>
-                              <m:r>
-                                <m:rPr>
-                                  <m:sty m:val="p"/>
-                                </m:rPr>
-                                <a:rPr lang="en-US" sz="2000" b="0" i="0" smtClean="0">
-                                  <a:latin typeface="Cambria Math" panose="02040503050406030204" pitchFamily="18" charset="0"/>
-                                </a:rPr>
-                                <m:t>if</m:t>
-                              </m:r>
-                              <m:r>
-                                <a:rPr lang="en-US" sz="2000" b="0" i="0" smtClean="0">
-                                  <a:latin typeface="Cambria Math" panose="02040503050406030204" pitchFamily="18" charset="0"/>
-                                </a:rPr>
-                                <m:t> </m:t>
-                              </m:r>
-                              <m:r>
-                                <m:rPr>
-                                  <m:sty m:val="p"/>
-                                </m:rPr>
-                                <a:rPr lang="en-US" sz="2000" b="0" i="0" smtClean="0">
-                                  <a:latin typeface="Cambria Math" panose="02040503050406030204" pitchFamily="18" charset="0"/>
-                                </a:rPr>
-                                <m:t>success</m:t>
-                              </m:r>
-                            </m:e>
-                            <m:e>
-                              <m:d>
-                                <m:dPr>
-                                  <m:ctrlPr>
-                                    <a:rPr lang="en-US" sz="2000" b="0" i="1" smtClean="0">
-                                      <a:latin typeface="Cambria Math" panose="02040503050406030204" pitchFamily="18" charset="0"/>
-                                    </a:rPr>
-                                  </m:ctrlPr>
-                                </m:dPr>
-                                <m:e>
-                                  <m:r>
-                                    <a:rPr lang="en-US" sz="2000" b="0" i="1" smtClean="0">
-                                      <a:latin typeface="Cambria Math" panose="02040503050406030204" pitchFamily="18" charset="0"/>
-                                    </a:rPr>
-                                    <m:t>1−</m:t>
-                                  </m:r>
-                                  <m:r>
-                                    <a:rPr lang="en-US" sz="2000" b="0" i="1" smtClean="0">
-                                      <a:latin typeface="Cambria Math" panose="02040503050406030204" pitchFamily="18" charset="0"/>
-                                    </a:rPr>
-                                    <m:t>𝑝</m:t>
-                                  </m:r>
-                                </m:e>
-                              </m:d>
-                              <m:r>
-                                <a:rPr lang="en-US" sz="2000" b="0" i="1" smtClean="0">
-                                  <a:latin typeface="Cambria Math" panose="02040503050406030204" pitchFamily="18" charset="0"/>
-                                </a:rPr>
-                                <m:t>,   </m:t>
-                              </m:r>
-                              <m:r>
-                                <m:rPr>
-                                  <m:sty m:val="p"/>
-                                </m:rPr>
-                                <a:rPr lang="en-US" sz="2000" b="0" i="0" smtClean="0">
-                                  <a:latin typeface="Cambria Math" panose="02040503050406030204" pitchFamily="18" charset="0"/>
-                                </a:rPr>
-                                <m:t>else</m:t>
-                              </m:r>
-                            </m:e>
-                          </m:eqArr>
-                        </m:e>
-                      </m:d>
-                    </m:oMath>
-                  </m:oMathPara>
-                </a14:m>
-                <a:endParaRPr lang="en-US" sz="2000" b="0" dirty="0"/>
-              </a:p>
-              <a:p>
-                <a:endParaRPr lang="en-US" sz="2000" dirty="0"/>
-              </a:p>
-              <a:p>
-                <a:endParaRPr lang="en-US" sz="2000" dirty="0"/>
-              </a:p>
-              <a:p>
-                <a:pPr marL="0" indent="0">
-                  <a:buNone/>
-                </a:pPr>
-                <a:endParaRPr lang="en-US" sz="2000" dirty="0"/>
-              </a:p>
-            </p:txBody>
-          </p:sp>
-        </mc:Choice>
-        <mc:Fallback xmlns="">
-          <p:sp>
-            <p:nvSpPr>
-              <p:cNvPr id="3" name="Content Placeholder 2">
-                <a:extLst>
-                  <a:ext uri="{FF2B5EF4-FFF2-40B4-BE49-F238E27FC236}">
-                    <a16:creationId xmlns:a16="http://schemas.microsoft.com/office/drawing/2014/main" id="{7660FA45-FC94-F207-B943-7E82380CA120}"/>
-                  </a:ext>
-                </a:extLst>
-              </p:cNvPr>
-              <p:cNvSpPr>
-                <a:spLocks noGrp="1" noRot="1" noChangeAspect="1" noMove="1" noResize="1" noEditPoints="1" noAdjustHandles="1" noChangeArrowheads="1" noChangeShapeType="1" noTextEdit="1"/>
-              </p:cNvSpPr>
-              <p:nvPr>
-                <p:ph idx="1"/>
-              </p:nvPr>
-            </p:nvSpPr>
-            <p:spPr>
-              <a:xfrm>
-                <a:off x="1137034" y="1588656"/>
-                <a:ext cx="4958966" cy="4527480"/>
-              </a:xfrm>
-              <a:blipFill>
-                <a:blip r:embed="rId2"/>
-                <a:stretch>
-                  <a:fillRect l="-615" t="-1482"/>
-                </a:stretch>
-              </a:blipFill>
-            </p:spPr>
-            <p:txBody>
-              <a:bodyPr/>
-              <a:lstStyle/>
-              <a:p>
-                <a:r>
-                  <a:rPr lang="en-US">
-                    <a:noFill/>
-                  </a:rPr>
-                  <a:t> </a:t>
-                </a:r>
-              </a:p>
-            </p:txBody>
-          </p:sp>
-        </mc:Fallback>
-      </mc:AlternateContent>
-      <p:pic>
-        <p:nvPicPr>
-          <p:cNvPr id="5" name="Picture 4">
-            <a:extLst>
-              <a:ext uri="{FF2B5EF4-FFF2-40B4-BE49-F238E27FC236}">
-                <a16:creationId xmlns:a16="http://schemas.microsoft.com/office/drawing/2014/main" id="{13DBC33B-E5B8-10EE-1DD3-CCA068A9AF8A}"/>
-              </a:ext>
-            </a:extLst>
-          </p:cNvPr>
-          <p:cNvPicPr>
-            <a:picLocks noChangeAspect="1"/>
-          </p:cNvPicPr>
-          <p:nvPr/>
-        </p:nvPicPr>
-        <p:blipFill>
-          <a:blip r:embed="rId3"/>
-          <a:stretch>
-            <a:fillRect/>
-          </a:stretch>
-        </p:blipFill>
-        <p:spPr>
-          <a:xfrm>
-            <a:off x="6719367" y="2645046"/>
-            <a:ext cx="4788505" cy="2835651"/>
-          </a:xfrm>
-          <a:prstGeom prst="rect">
-            <a:avLst/>
-          </a:prstGeom>
-        </p:spPr>
-      </p:pic>
-    </p:spTree>
-    <p:extLst>
-      <p:ext uri="{BB962C8B-B14F-4D97-AF65-F5344CB8AC3E}">
-        <p14:creationId xmlns:p14="http://schemas.microsoft.com/office/powerpoint/2010/main" val="4050648110"/>
-      </p:ext>
-    </p:extLst>
-  </p:cSld>
-  <p:clrMapOvr>
-    <a:masterClrMapping/>
-  </p:clrMapOvr>
-</p:sld>
-</file>
-
-<file path=ppt/slides/slide17.xml><?xml version="1.0" encoding="utf-8"?>
-<p:sld xmlns:a="http://schemas.openxmlformats.org/drawingml/2006/main" xmlns:r="http://schemas.openxmlformats.org/officeDocument/2006/relationships" xmlns:p="http://schemas.openxmlformats.org/presentationml/2006/main">
-  <p:cSld>
-    <p:spTree>
-      <p:nvGrpSpPr>
-        <p:cNvPr id="1" name=""/>
-        <p:cNvGrpSpPr/>
-        <p:nvPr/>
-      </p:nvGrpSpPr>
-      <p:grpSpPr>
-        <a:xfrm>
-          <a:off x="0" y="0"/>
-          <a:ext cx="0" cy="0"/>
-          <a:chOff x="0" y="0"/>
-          <a:chExt cx="0" cy="0"/>
-        </a:xfrm>
-      </p:grpSpPr>
-      <p:sp>
-        <p:nvSpPr>
-          <p:cNvPr id="2" name="Title 1">
-            <a:extLst>
-              <a:ext uri="{FF2B5EF4-FFF2-40B4-BE49-F238E27FC236}">
-                <a16:creationId xmlns:a16="http://schemas.microsoft.com/office/drawing/2014/main" id="{D56F98DE-7492-F942-E873-E6CBAFFB7EA0}"/>
-              </a:ext>
-            </a:extLst>
-          </p:cNvPr>
-          <p:cNvSpPr>
-            <a:spLocks noGrp="1"/>
-          </p:cNvSpPr>
-          <p:nvPr>
-            <p:ph type="title"/>
-          </p:nvPr>
-        </p:nvSpPr>
-        <p:spPr>
-          <a:xfrm>
-            <a:off x="0" y="0"/>
-            <a:ext cx="10515600" cy="1325563"/>
-          </a:xfrm>
-        </p:spPr>
-        <p:txBody>
-          <a:bodyPr/>
-          <a:lstStyle/>
-          <a:p>
-            <a:r>
-              <a:rPr lang="en-US" dirty="0"/>
-              <a:t>The Binomial Distribution</a:t>
-            </a:r>
-          </a:p>
-        </p:txBody>
-      </p:sp>
-      <mc:AlternateContent xmlns:mc="http://schemas.openxmlformats.org/markup-compatibility/2006" xmlns:a14="http://schemas.microsoft.com/office/drawing/2010/main">
-        <mc:Choice Requires="a14">
-          <p:sp>
-            <p:nvSpPr>
-              <p:cNvPr id="3" name="Content Placeholder 2">
-                <a:extLst>
-                  <a:ext uri="{FF2B5EF4-FFF2-40B4-BE49-F238E27FC236}">
-                    <a16:creationId xmlns:a16="http://schemas.microsoft.com/office/drawing/2014/main" id="{F0C69F58-46BB-54CA-C235-345E64062CFF}"/>
-                  </a:ext>
-                </a:extLst>
-              </p:cNvPr>
-              <p:cNvSpPr>
-                <a:spLocks noGrp="1"/>
-              </p:cNvSpPr>
-              <p:nvPr>
-                <p:ph idx="1"/>
-              </p:nvPr>
-            </p:nvSpPr>
-            <p:spPr>
-              <a:xfrm>
-                <a:off x="838200" y="1145309"/>
-                <a:ext cx="10515600" cy="5474566"/>
-              </a:xfrm>
-            </p:spPr>
-            <p:txBody>
-              <a:bodyPr>
-                <a:noAutofit/>
-              </a:bodyPr>
-              <a:lstStyle/>
-              <a:p>
-                <a:r>
-                  <a:rPr lang="en-US" sz="1800" dirty="0"/>
-                  <a:t>A discrete distribution which describes the probabilities for the number of successful outcomes in a given number of independent trials where each trial has the same probability of success</a:t>
-                </a:r>
-              </a:p>
-              <a:p>
-                <a:pPr marL="457200" lvl="1" indent="0">
-                  <a:buNone/>
-                </a:pPr>
-                <a:r>
-                  <a:rPr lang="en-US" sz="1800" dirty="0"/>
-                  <a:t>It has two parameters:</a:t>
-                </a:r>
-              </a:p>
-              <a:p>
-                <a:pPr marL="457200" lvl="1" indent="0">
-                  <a:buNone/>
-                </a:pPr>
-                <a:r>
-                  <a:rPr lang="en-US" sz="1800" dirty="0"/>
-                  <a:t>		</a:t>
-                </a:r>
-                <a14:m>
-                  <m:oMath xmlns:m="http://schemas.openxmlformats.org/officeDocument/2006/math">
-                    <m:r>
-                      <a:rPr lang="en-US" sz="1800" b="0" i="1" smtClean="0">
-                        <a:latin typeface="Cambria Math" panose="02040503050406030204" pitchFamily="18" charset="0"/>
-                      </a:rPr>
-                      <m:t>𝑛</m:t>
-                    </m:r>
-                    <m:r>
-                      <a:rPr lang="en-US" sz="1800" b="0" i="1" smtClean="0">
-                        <a:latin typeface="Cambria Math" panose="02040503050406030204" pitchFamily="18" charset="0"/>
-                      </a:rPr>
-                      <m:t>=</m:t>
-                    </m:r>
-                  </m:oMath>
-                </a14:m>
-                <a:r>
-                  <a:rPr lang="en-US" sz="1800" dirty="0"/>
-                  <a:t> the number of trials</a:t>
-                </a:r>
-              </a:p>
-              <a:p>
-                <a:pPr marL="457200" lvl="1" indent="0">
-                  <a:buNone/>
-                </a:pPr>
-                <a:r>
-                  <a:rPr lang="en-US" sz="1800" dirty="0"/>
-                  <a:t>		</a:t>
-                </a:r>
-                <a14:m>
-                  <m:oMath xmlns:m="http://schemas.openxmlformats.org/officeDocument/2006/math">
-                    <m:r>
-                      <a:rPr lang="en-US" sz="1800" b="0" i="1" smtClean="0">
-                        <a:latin typeface="Cambria Math" panose="02040503050406030204" pitchFamily="18" charset="0"/>
-                      </a:rPr>
-                      <m:t>𝑝</m:t>
-                    </m:r>
-                  </m:oMath>
-                </a14:m>
-                <a:r>
-                  <a:rPr lang="en-US" sz="1800" dirty="0"/>
-                  <a:t> =  the probability of “success” or the probability of the outcome of 		        		                           			        interest.</a:t>
-                </a:r>
-              </a:p>
-              <a:p>
-                <a:pPr marL="457200" lvl="1" indent="0">
-                  <a:buNone/>
-                </a:pPr>
-                <a:r>
-                  <a:rPr lang="en-US" sz="1800" dirty="0"/>
-                  <a:t>		mean = </a:t>
-                </a:r>
-                <a14:m>
-                  <m:oMath xmlns:m="http://schemas.openxmlformats.org/officeDocument/2006/math">
-                    <m:r>
-                      <a:rPr lang="en-US" sz="1800" b="0" i="1" smtClean="0">
-                        <a:latin typeface="Cambria Math" panose="02040503050406030204" pitchFamily="18" charset="0"/>
-                      </a:rPr>
-                      <m:t>𝑛𝑝</m:t>
-                    </m:r>
-                  </m:oMath>
-                </a14:m>
-                <a:r>
-                  <a:rPr lang="en-US" sz="1800" b="0" dirty="0"/>
-                  <a:t>                variance = </a:t>
-                </a:r>
-                <a14:m>
-                  <m:oMath xmlns:m="http://schemas.openxmlformats.org/officeDocument/2006/math">
-                    <m:r>
-                      <a:rPr lang="en-US" sz="1800" b="0" i="1" smtClean="0">
-                        <a:latin typeface="Cambria Math" panose="02040503050406030204" pitchFamily="18" charset="0"/>
-                      </a:rPr>
-                      <m:t>𝑛𝑝</m:t>
-                    </m:r>
-                    <m:r>
-                      <a:rPr lang="en-US" sz="1800" b="0" i="1" smtClean="0">
-                        <a:latin typeface="Cambria Math" panose="02040503050406030204" pitchFamily="18" charset="0"/>
-                      </a:rPr>
-                      <m:t>(1−</m:t>
-                    </m:r>
-                    <m:r>
-                      <a:rPr lang="en-US" sz="1800" b="0" i="1" smtClean="0">
-                        <a:latin typeface="Cambria Math" panose="02040503050406030204" pitchFamily="18" charset="0"/>
-                      </a:rPr>
-                      <m:t>𝑝</m:t>
-                    </m:r>
-                    <m:r>
-                      <a:rPr lang="en-US" sz="1800" b="0" i="1" smtClean="0">
-                        <a:latin typeface="Cambria Math" panose="02040503050406030204" pitchFamily="18" charset="0"/>
-                      </a:rPr>
-                      <m:t>)</m:t>
-                    </m:r>
-                  </m:oMath>
-                </a14:m>
-                <a:endParaRPr lang="en-US" sz="1800" dirty="0"/>
-              </a:p>
-              <a:p>
-                <a:pPr marL="457200" lvl="1" indent="0">
-                  <a:buNone/>
-                </a:pPr>
-                <a:endParaRPr lang="en-US" sz="1800" dirty="0"/>
-              </a:p>
-              <a:p>
-                <a:r>
-                  <a:rPr lang="en-US" sz="1800" dirty="0"/>
-                  <a:t>It describes the proportion of trials in which a particular outcome of interest occurs</a:t>
-                </a:r>
-              </a:p>
-              <a:p>
-                <a:pPr marL="0" indent="0">
-                  <a:buNone/>
-                </a:pPr>
-                <a:endParaRPr lang="en-US" sz="1800" dirty="0"/>
-              </a:p>
-              <a:p>
-                <a:r>
-                  <a:rPr lang="en-US" sz="1800" dirty="0"/>
-                  <a:t>It is a sum of </a:t>
-                </a:r>
-                <a14:m>
-                  <m:oMath xmlns:m="http://schemas.openxmlformats.org/officeDocument/2006/math">
-                    <m:r>
-                      <a:rPr lang="en-US" sz="1800" b="0" i="1" smtClean="0">
-                        <a:latin typeface="Cambria Math" panose="02040503050406030204" pitchFamily="18" charset="0"/>
-                      </a:rPr>
-                      <m:t>𝑛</m:t>
-                    </m:r>
-                  </m:oMath>
-                </a14:m>
-                <a:r>
-                  <a:rPr lang="en-US" sz="1800" dirty="0"/>
-                  <a:t> independent Bernoulli random variables</a:t>
-                </a:r>
-              </a:p>
-              <a:p>
-                <a:pPr marL="0" indent="0">
-                  <a:buNone/>
-                </a:pPr>
-                <a:endParaRPr lang="en-US" sz="1800" dirty="0"/>
-              </a:p>
-              <a:p>
-                <a:r>
-                  <a:rPr lang="en-US" sz="1800" dirty="0"/>
-                  <a:t>There are many examples of binomial random variables </a:t>
-                </a:r>
-              </a:p>
-              <a:p>
-                <a:pPr lvl="1"/>
-                <a:r>
-                  <a:rPr lang="en-US" sz="1800" dirty="0"/>
-                  <a:t> the number of heads observed in </a:t>
-                </a:r>
-                <a14:m>
-                  <m:oMath xmlns:m="http://schemas.openxmlformats.org/officeDocument/2006/math">
-                    <m:r>
-                      <a:rPr lang="en-US" sz="1800" b="0" i="1" smtClean="0">
-                        <a:latin typeface="Cambria Math" panose="02040503050406030204" pitchFamily="18" charset="0"/>
-                      </a:rPr>
-                      <m:t>𝑛</m:t>
-                    </m:r>
-                  </m:oMath>
-                </a14:m>
-                <a:r>
-                  <a:rPr lang="en-US" sz="1800" dirty="0"/>
-                  <a:t> flips of a coin where (each times heads has probability </a:t>
-                </a:r>
-                <a14:m>
-                  <m:oMath xmlns:m="http://schemas.openxmlformats.org/officeDocument/2006/math">
-                    <m:r>
-                      <a:rPr lang="en-US" sz="1800" b="0" i="1" smtClean="0">
-                        <a:latin typeface="Cambria Math" panose="02040503050406030204" pitchFamily="18" charset="0"/>
-                      </a:rPr>
-                      <m:t>𝑝</m:t>
-                    </m:r>
-                    <m:r>
-                      <a:rPr lang="en-US" sz="1800" b="0" i="1" smtClean="0">
-                        <a:latin typeface="Cambria Math" panose="02040503050406030204" pitchFamily="18" charset="0"/>
-                      </a:rPr>
-                      <m:t>=</m:t>
-                    </m:r>
-                    <m:f>
-                      <m:fPr>
-                        <m:ctrlPr>
-                          <a:rPr lang="en-US" sz="1800" b="0" i="1" smtClean="0">
-                            <a:latin typeface="Cambria Math" panose="02040503050406030204" pitchFamily="18" charset="0"/>
-                          </a:rPr>
-                        </m:ctrlPr>
-                      </m:fPr>
-                      <m:num>
-                        <m:r>
-                          <a:rPr lang="en-US" sz="1800" b="0" i="1" smtClean="0">
-                            <a:latin typeface="Cambria Math" panose="02040503050406030204" pitchFamily="18" charset="0"/>
-                          </a:rPr>
-                          <m:t>1</m:t>
-                        </m:r>
-                      </m:num>
-                      <m:den>
-                        <m:r>
-                          <a:rPr lang="en-US" sz="1800" b="0" i="1" smtClean="0">
-                            <a:latin typeface="Cambria Math" panose="02040503050406030204" pitchFamily="18" charset="0"/>
-                          </a:rPr>
-                          <m:t>2</m:t>
-                        </m:r>
-                      </m:den>
-                    </m:f>
-                  </m:oMath>
-                </a14:m>
-                <a:r>
-                  <a:rPr lang="en-US" sz="1800" dirty="0"/>
-                  <a:t> of occurring)</a:t>
-                </a:r>
-              </a:p>
-              <a:p>
-                <a:pPr lvl="1"/>
-                <a:r>
-                  <a:rPr lang="en-US" sz="1800" dirty="0"/>
-                  <a:t>The proportion of deer with chronic wasting disease (CWD)</a:t>
-                </a:r>
-              </a:p>
-              <a:p>
-                <a:pPr lvl="1"/>
-                <a:r>
-                  <a:rPr lang="en-US" sz="1800" dirty="0"/>
-                  <a:t>The number of patients who experience headaches as side of effect of taking a drug</a:t>
-                </a:r>
-              </a:p>
-            </p:txBody>
-          </p:sp>
-        </mc:Choice>
-        <mc:Fallback xmlns="">
-          <p:sp>
-            <p:nvSpPr>
-              <p:cNvPr id="3" name="Content Placeholder 2">
-                <a:extLst>
-                  <a:ext uri="{FF2B5EF4-FFF2-40B4-BE49-F238E27FC236}">
-                    <a16:creationId xmlns:a16="http://schemas.microsoft.com/office/drawing/2014/main" id="{F0C69F58-46BB-54CA-C235-345E64062CFF}"/>
-                  </a:ext>
-                </a:extLst>
-              </p:cNvPr>
-              <p:cNvSpPr>
-                <a:spLocks noGrp="1" noRot="1" noChangeAspect="1" noMove="1" noResize="1" noEditPoints="1" noAdjustHandles="1" noChangeArrowheads="1" noChangeShapeType="1" noTextEdit="1"/>
-              </p:cNvSpPr>
-              <p:nvPr>
-                <p:ph idx="1"/>
-              </p:nvPr>
-            </p:nvSpPr>
-            <p:spPr>
-              <a:xfrm>
-                <a:off x="838200" y="1145309"/>
-                <a:ext cx="10515600" cy="5474566"/>
-              </a:xfrm>
-              <a:blipFill>
-                <a:blip r:embed="rId2"/>
-                <a:stretch>
-                  <a:fillRect l="-406" t="-1114" b="-2895"/>
-                </a:stretch>
-              </a:blipFill>
-            </p:spPr>
-            <p:txBody>
-              <a:bodyPr/>
-              <a:lstStyle/>
-              <a:p>
-                <a:r>
-                  <a:rPr lang="en-US">
-                    <a:noFill/>
-                  </a:rPr>
-                  <a:t> </a:t>
-                </a:r>
-              </a:p>
-            </p:txBody>
-          </p:sp>
-        </mc:Fallback>
-      </mc:AlternateContent>
-    </p:spTree>
-    <p:extLst>
-      <p:ext uri="{BB962C8B-B14F-4D97-AF65-F5344CB8AC3E}">
-        <p14:creationId xmlns:p14="http://schemas.microsoft.com/office/powerpoint/2010/main" val="166181111"/>
-      </p:ext>
-    </p:extLst>
-  </p:cSld>
-  <p:clrMapOvr>
-    <a:masterClrMapping/>
-  </p:clrMapOvr>
-</p:sld>
-</file>
-
-<file path=ppt/slides/slide18.xml><?xml version="1.0" encoding="utf-8"?>
-<p:sld xmlns:a="http://schemas.openxmlformats.org/drawingml/2006/main" xmlns:r="http://schemas.openxmlformats.org/officeDocument/2006/relationships" xmlns:p="http://schemas.openxmlformats.org/presentationml/2006/main">
-  <p:cSld>
-    <p:spTree>
-      <p:nvGrpSpPr>
-        <p:cNvPr id="1" name=""/>
-        <p:cNvGrpSpPr/>
-        <p:nvPr/>
-      </p:nvGrpSpPr>
-      <p:grpSpPr>
-        <a:xfrm>
-          <a:off x="0" y="0"/>
-          <a:ext cx="0" cy="0"/>
-          <a:chOff x="0" y="0"/>
-          <a:chExt cx="0" cy="0"/>
-        </a:xfrm>
-      </p:grpSpPr>
-      <p:sp>
-        <p:nvSpPr>
-          <p:cNvPr id="2" name="Title 1">
-            <a:extLst>
-              <a:ext uri="{FF2B5EF4-FFF2-40B4-BE49-F238E27FC236}">
-                <a16:creationId xmlns:a16="http://schemas.microsoft.com/office/drawing/2014/main" id="{B24C665E-69C1-74AE-1747-C4BA78E60F93}"/>
-              </a:ext>
-            </a:extLst>
-          </p:cNvPr>
-          <p:cNvSpPr>
-            <a:spLocks noGrp="1"/>
-          </p:cNvSpPr>
-          <p:nvPr>
-            <p:ph type="title"/>
-          </p:nvPr>
-        </p:nvSpPr>
-        <p:spPr>
-          <a:xfrm>
-            <a:off x="80818" y="143452"/>
-            <a:ext cx="10515600" cy="1325563"/>
-          </a:xfrm>
-        </p:spPr>
-        <p:txBody>
-          <a:bodyPr/>
-          <a:lstStyle/>
-          <a:p>
-            <a:r>
-              <a:rPr lang="en-US" dirty="0"/>
-              <a:t>The Binomial Distribution</a:t>
-            </a:r>
-          </a:p>
-        </p:txBody>
-      </p:sp>
-      <mc:AlternateContent xmlns:mc="http://schemas.openxmlformats.org/markup-compatibility/2006" xmlns:a14="http://schemas.microsoft.com/office/drawing/2010/main">
-        <mc:Choice Requires="a14">
-          <p:sp>
-            <p:nvSpPr>
-              <p:cNvPr id="3" name="Content Placeholder 2">
-                <a:extLst>
-                  <a:ext uri="{FF2B5EF4-FFF2-40B4-BE49-F238E27FC236}">
-                    <a16:creationId xmlns:a16="http://schemas.microsoft.com/office/drawing/2014/main" id="{91A7FD2F-4A35-5FFB-6BAF-EDDACD17CE02}"/>
-                  </a:ext>
-                </a:extLst>
-              </p:cNvPr>
-              <p:cNvSpPr>
-                <a:spLocks noGrp="1"/>
-              </p:cNvSpPr>
-              <p:nvPr>
-                <p:ph idx="1"/>
-              </p:nvPr>
-            </p:nvSpPr>
-            <p:spPr>
-              <a:xfrm>
-                <a:off x="157018" y="1219200"/>
-                <a:ext cx="11196782" cy="5338618"/>
-              </a:xfrm>
-            </p:spPr>
-            <p:txBody>
-              <a:bodyPr>
-                <a:normAutofit/>
-              </a:bodyPr>
-              <a:lstStyle/>
-              <a:p>
-                <a:r>
-                  <a:rPr lang="en-US" dirty="0"/>
-                  <a:t>Probability Mass Function: </a:t>
-                </a:r>
-              </a:p>
-              <a:p>
-                <a:pPr marL="0" indent="0">
-                  <a:buNone/>
-                </a:pPr>
-                <a14:m>
-                  <m:oMathPara xmlns:m="http://schemas.openxmlformats.org/officeDocument/2006/math">
-                    <m:oMathParaPr>
-                      <m:jc m:val="centerGroup"/>
-                    </m:oMathParaPr>
-                    <m:oMath xmlns:m="http://schemas.openxmlformats.org/officeDocument/2006/math">
-                      <m:r>
-                        <a:rPr lang="en-US" b="0" i="1" smtClean="0">
-                          <a:latin typeface="Cambria Math" panose="02040503050406030204" pitchFamily="18" charset="0"/>
-                        </a:rPr>
-                        <m:t>𝑃</m:t>
-                      </m:r>
-                      <m:d>
-                        <m:dPr>
-                          <m:ctrlPr>
-                            <a:rPr lang="en-US" b="0" i="1" smtClean="0">
-                              <a:latin typeface="Cambria Math" panose="02040503050406030204" pitchFamily="18" charset="0"/>
-                            </a:rPr>
-                          </m:ctrlPr>
-                        </m:dPr>
-                        <m:e>
-                          <m:r>
-                            <a:rPr lang="en-US" b="0" i="1" smtClean="0">
-                              <a:latin typeface="Cambria Math" panose="02040503050406030204" pitchFamily="18" charset="0"/>
-                            </a:rPr>
-                            <m:t>𝑋</m:t>
-                          </m:r>
-                          <m:r>
-                            <a:rPr lang="en-US" b="0" i="1" smtClean="0">
-                              <a:latin typeface="Cambria Math" panose="02040503050406030204" pitchFamily="18" charset="0"/>
-                            </a:rPr>
-                            <m:t>=</m:t>
-                          </m:r>
-                          <m:r>
-                            <a:rPr lang="en-US" b="0" i="1" smtClean="0">
-                              <a:latin typeface="Cambria Math" panose="02040503050406030204" pitchFamily="18" charset="0"/>
-                            </a:rPr>
-                            <m:t>𝑘</m:t>
-                          </m:r>
-                        </m:e>
-                      </m:d>
-                      <m:r>
-                        <a:rPr lang="en-US" b="0" i="1" smtClean="0">
-                          <a:latin typeface="Cambria Math" panose="02040503050406030204" pitchFamily="18" charset="0"/>
-                        </a:rPr>
-                        <m:t>=</m:t>
-                      </m:r>
-                      <m:d>
-                        <m:dPr>
-                          <m:ctrlPr>
-                            <a:rPr lang="en-US" b="0" i="1" smtClean="0">
-                              <a:latin typeface="Cambria Math" panose="02040503050406030204" pitchFamily="18" charset="0"/>
-                            </a:rPr>
-                          </m:ctrlPr>
-                        </m:dPr>
-                        <m:e>
-                          <m:f>
-                            <m:fPr>
-                              <m:type m:val="noBar"/>
-                              <m:ctrlPr>
-                                <a:rPr lang="en-US" b="0" i="1" smtClean="0">
-                                  <a:latin typeface="Cambria Math" panose="02040503050406030204" pitchFamily="18" charset="0"/>
-                                </a:rPr>
-                              </m:ctrlPr>
-                            </m:fPr>
-                            <m:num>
-                              <m:r>
-                                <a:rPr lang="en-US" b="0" i="1" smtClean="0">
-                                  <a:latin typeface="Cambria Math" panose="02040503050406030204" pitchFamily="18" charset="0"/>
-                                </a:rPr>
-                                <m:t>𝑛</m:t>
-                              </m:r>
-                            </m:num>
-                            <m:den>
-                              <m:r>
-                                <a:rPr lang="en-US" b="0" i="1" smtClean="0">
-                                  <a:latin typeface="Cambria Math" panose="02040503050406030204" pitchFamily="18" charset="0"/>
-                                </a:rPr>
-                                <m:t>𝑘</m:t>
-                              </m:r>
-                            </m:den>
-                          </m:f>
-                        </m:e>
-                      </m:d>
-                      <m:r>
-                        <a:rPr lang="en-US" b="0" i="1" smtClean="0">
-                          <a:latin typeface="Cambria Math" panose="02040503050406030204" pitchFamily="18" charset="0"/>
-                        </a:rPr>
-                        <m:t>⋅</m:t>
-                      </m:r>
-                      <m:sSup>
-                        <m:sSupPr>
-                          <m:ctrlPr>
-                            <a:rPr lang="en-US" b="0" i="1" smtClean="0">
-                              <a:latin typeface="Cambria Math" panose="02040503050406030204" pitchFamily="18" charset="0"/>
-                            </a:rPr>
-                          </m:ctrlPr>
-                        </m:sSupPr>
-                        <m:e>
-                          <m:r>
-                            <a:rPr lang="en-US" b="0" i="1" smtClean="0">
-                              <a:latin typeface="Cambria Math" panose="02040503050406030204" pitchFamily="18" charset="0"/>
-                            </a:rPr>
-                            <m:t>𝑝</m:t>
-                          </m:r>
-                        </m:e>
-                        <m:sup>
-                          <m:r>
-                            <a:rPr lang="en-US" b="0" i="1" smtClean="0">
-                              <a:latin typeface="Cambria Math" panose="02040503050406030204" pitchFamily="18" charset="0"/>
-                            </a:rPr>
-                            <m:t>𝑘</m:t>
-                          </m:r>
-                        </m:sup>
-                      </m:sSup>
-                      <m:sSup>
-                        <m:sSupPr>
-                          <m:ctrlPr>
-                            <a:rPr lang="en-US" b="0" i="1" smtClean="0">
-                              <a:latin typeface="Cambria Math" panose="02040503050406030204" pitchFamily="18" charset="0"/>
-                            </a:rPr>
-                          </m:ctrlPr>
-                        </m:sSupPr>
-                        <m:e>
-                          <m:d>
-                            <m:dPr>
-                              <m:ctrlPr>
-                                <a:rPr lang="en-US" b="0" i="1" smtClean="0">
-                                  <a:latin typeface="Cambria Math" panose="02040503050406030204" pitchFamily="18" charset="0"/>
-                                </a:rPr>
-                              </m:ctrlPr>
-                            </m:dPr>
-                            <m:e>
-                              <m:r>
-                                <a:rPr lang="en-US" b="0" i="1" smtClean="0">
-                                  <a:latin typeface="Cambria Math" panose="02040503050406030204" pitchFamily="18" charset="0"/>
-                                </a:rPr>
-                                <m:t>1−</m:t>
-                              </m:r>
-                              <m:r>
-                                <a:rPr lang="en-US" b="0" i="1" smtClean="0">
-                                  <a:latin typeface="Cambria Math" panose="02040503050406030204" pitchFamily="18" charset="0"/>
-                                </a:rPr>
-                                <m:t>𝑝</m:t>
-                              </m:r>
-                            </m:e>
-                          </m:d>
-                        </m:e>
-                        <m:sup>
-                          <m:r>
-                            <a:rPr lang="en-US" b="0" i="1" smtClean="0">
-                              <a:latin typeface="Cambria Math" panose="02040503050406030204" pitchFamily="18" charset="0"/>
-                            </a:rPr>
-                            <m:t>𝑛</m:t>
-                          </m:r>
-                          <m:r>
-                            <a:rPr lang="en-US" b="0" i="1" smtClean="0">
-                              <a:latin typeface="Cambria Math" panose="02040503050406030204" pitchFamily="18" charset="0"/>
-                            </a:rPr>
-                            <m:t>−</m:t>
-                          </m:r>
-                          <m:r>
-                            <a:rPr lang="en-US" b="0" i="1" smtClean="0">
-                              <a:latin typeface="Cambria Math" panose="02040503050406030204" pitchFamily="18" charset="0"/>
-                            </a:rPr>
-                            <m:t>𝑘</m:t>
-                          </m:r>
-                        </m:sup>
-                      </m:sSup>
-                    </m:oMath>
-                  </m:oMathPara>
-                </a14:m>
-                <a:endParaRPr lang="en-US" b="0" dirty="0"/>
-              </a:p>
-              <a:p>
-                <a:pPr marL="0" indent="0">
-                  <a:buNone/>
-                </a:pPr>
-                <a:r>
-                  <a:rPr lang="en-US" dirty="0"/>
-                  <a:t> </a:t>
-                </a:r>
-              </a:p>
-              <a:p>
-                <a:pPr marL="457200" lvl="1" indent="0">
-                  <a:buNone/>
-                </a:pPr>
-                <a:r>
-                  <a:rPr lang="en-US" dirty="0"/>
-                  <a:t>- </a:t>
-                </a:r>
-                <a14:m>
-                  <m:oMath xmlns:m="http://schemas.openxmlformats.org/officeDocument/2006/math">
-                    <m:r>
-                      <a:rPr lang="en-US" b="0" i="1" smtClean="0">
-                        <a:latin typeface="Cambria Math" panose="02040503050406030204" pitchFamily="18" charset="0"/>
-                      </a:rPr>
-                      <m:t>𝑛</m:t>
-                    </m:r>
-                  </m:oMath>
-                </a14:m>
-                <a:r>
-                  <a:rPr lang="en-US" dirty="0"/>
-                  <a:t> is the total number of trials (</a:t>
-                </a:r>
-                <a:r>
-                  <a:rPr lang="en-US" dirty="0" err="1"/>
-                  <a:t>e.g</a:t>
-                </a:r>
-                <a:r>
-                  <a:rPr lang="en-US" dirty="0"/>
-                  <a:t> flips of a coin)</a:t>
-                </a:r>
-              </a:p>
-              <a:p>
-                <a:pPr marL="457200" lvl="1" indent="0">
-                  <a:buNone/>
-                </a:pPr>
-                <a:r>
-                  <a:rPr lang="en-US" dirty="0"/>
-                  <a:t>- </a:t>
-                </a:r>
-                <a14:m>
-                  <m:oMath xmlns:m="http://schemas.openxmlformats.org/officeDocument/2006/math">
-                    <m:r>
-                      <a:rPr lang="en-US" b="0" i="1" smtClean="0">
-                        <a:latin typeface="Cambria Math" panose="02040503050406030204" pitchFamily="18" charset="0"/>
-                      </a:rPr>
-                      <m:t>𝑘</m:t>
-                    </m:r>
-                  </m:oMath>
-                </a14:m>
-                <a:r>
-                  <a:rPr lang="en-US" dirty="0"/>
-                  <a:t> successes occur with probability </a:t>
-                </a:r>
-                <a14:m>
-                  <m:oMath xmlns:m="http://schemas.openxmlformats.org/officeDocument/2006/math">
-                    <m:sSup>
-                      <m:sSupPr>
-                        <m:ctrlPr>
-                          <a:rPr lang="en-US" b="0" i="1" smtClean="0">
-                            <a:latin typeface="Cambria Math" panose="02040503050406030204" pitchFamily="18" charset="0"/>
-                          </a:rPr>
-                        </m:ctrlPr>
-                      </m:sSupPr>
-                      <m:e>
-                        <m:r>
-                          <a:rPr lang="en-US" b="0" i="1" smtClean="0">
-                            <a:latin typeface="Cambria Math" panose="02040503050406030204" pitchFamily="18" charset="0"/>
-                          </a:rPr>
-                          <m:t>𝑝</m:t>
-                        </m:r>
-                      </m:e>
-                      <m:sup>
-                        <m:r>
-                          <a:rPr lang="en-US" b="0" i="1" smtClean="0">
-                            <a:latin typeface="Cambria Math" panose="02040503050406030204" pitchFamily="18" charset="0"/>
-                          </a:rPr>
-                          <m:t>𝑘</m:t>
-                        </m:r>
-                      </m:sup>
-                    </m:sSup>
-                  </m:oMath>
-                </a14:m>
-                <a:r>
-                  <a:rPr lang="en-US" dirty="0"/>
-                  <a:t> </a:t>
-                </a:r>
-              </a:p>
-              <a:p>
-                <a:pPr marL="457200" lvl="1" indent="0">
-                  <a:buNone/>
-                </a:pPr>
-                <a:r>
-                  <a:rPr lang="en-US" dirty="0"/>
-                  <a:t>- </a:t>
-                </a:r>
-                <a14:m>
-                  <m:oMath xmlns:m="http://schemas.openxmlformats.org/officeDocument/2006/math">
-                    <m:r>
-                      <a:rPr lang="en-US" b="0" i="1" smtClean="0">
-                        <a:latin typeface="Cambria Math" panose="02040503050406030204" pitchFamily="18" charset="0"/>
-                      </a:rPr>
-                      <m:t>𝑛</m:t>
-                    </m:r>
-                    <m:r>
-                      <a:rPr lang="en-US" b="0" i="1" smtClean="0">
-                        <a:latin typeface="Cambria Math" panose="02040503050406030204" pitchFamily="18" charset="0"/>
-                      </a:rPr>
-                      <m:t>−</m:t>
-                    </m:r>
-                    <m:r>
-                      <a:rPr lang="en-US" b="0" i="1" smtClean="0">
-                        <a:latin typeface="Cambria Math" panose="02040503050406030204" pitchFamily="18" charset="0"/>
-                      </a:rPr>
-                      <m:t>𝑘</m:t>
-                    </m:r>
-                  </m:oMath>
-                </a14:m>
-                <a:r>
-                  <a:rPr lang="en-US" dirty="0"/>
-                  <a:t> failures occur with probability </a:t>
-                </a:r>
-                <a14:m>
-                  <m:oMath xmlns:m="http://schemas.openxmlformats.org/officeDocument/2006/math">
-                    <m:sSup>
-                      <m:sSupPr>
-                        <m:ctrlPr>
-                          <a:rPr lang="en-US" b="0" i="1" smtClean="0">
-                            <a:latin typeface="Cambria Math" panose="02040503050406030204" pitchFamily="18" charset="0"/>
-                          </a:rPr>
-                        </m:ctrlPr>
-                      </m:sSupPr>
-                      <m:e>
-                        <m:r>
-                          <a:rPr lang="en-US" b="0" i="1" smtClean="0">
-                            <a:latin typeface="Cambria Math" panose="02040503050406030204" pitchFamily="18" charset="0"/>
-                          </a:rPr>
-                          <m:t>𝑝</m:t>
-                        </m:r>
-                      </m:e>
-                      <m:sup>
-                        <m:r>
-                          <a:rPr lang="en-US" b="0" i="1" smtClean="0">
-                            <a:latin typeface="Cambria Math" panose="02040503050406030204" pitchFamily="18" charset="0"/>
-                          </a:rPr>
-                          <m:t>𝑛</m:t>
-                        </m:r>
-                        <m:r>
-                          <a:rPr lang="en-US" b="0" i="1" smtClean="0">
-                            <a:latin typeface="Cambria Math" panose="02040503050406030204" pitchFamily="18" charset="0"/>
-                          </a:rPr>
-                          <m:t>−</m:t>
-                        </m:r>
-                        <m:r>
-                          <a:rPr lang="en-US" b="0" i="1" smtClean="0">
-                            <a:latin typeface="Cambria Math" panose="02040503050406030204" pitchFamily="18" charset="0"/>
-                          </a:rPr>
-                          <m:t>𝑘</m:t>
-                        </m:r>
-                      </m:sup>
-                    </m:sSup>
-                  </m:oMath>
-                </a14:m>
-                <a:r>
-                  <a:rPr lang="en-US" dirty="0"/>
-                  <a:t> </a:t>
-                </a:r>
-              </a:p>
-              <a:p>
-                <a:pPr marL="457200" lvl="1" indent="0">
-                  <a:buNone/>
-                </a:pPr>
-                <a:r>
-                  <a:rPr lang="en-US" dirty="0"/>
-                  <a:t>- </a:t>
-                </a:r>
-                <a14:m>
-                  <m:oMath xmlns:m="http://schemas.openxmlformats.org/officeDocument/2006/math">
-                    <m:d>
-                      <m:dPr>
-                        <m:ctrlPr>
-                          <a:rPr lang="en-US" i="1" smtClean="0">
-                            <a:latin typeface="Cambria Math" panose="02040503050406030204" pitchFamily="18" charset="0"/>
-                          </a:rPr>
-                        </m:ctrlPr>
-                      </m:dPr>
-                      <m:e>
-                        <m:f>
-                          <m:fPr>
-                            <m:type m:val="noBar"/>
-                            <m:ctrlPr>
-                              <a:rPr lang="en-US" i="1" smtClean="0">
-                                <a:latin typeface="Cambria Math" panose="02040503050406030204" pitchFamily="18" charset="0"/>
-                              </a:rPr>
-                            </m:ctrlPr>
-                          </m:fPr>
-                          <m:num>
-                            <m:r>
-                              <a:rPr lang="en-US" b="0" i="1" smtClean="0">
-                                <a:latin typeface="Cambria Math" panose="02040503050406030204" pitchFamily="18" charset="0"/>
-                              </a:rPr>
-                              <m:t>𝑛</m:t>
-                            </m:r>
-                          </m:num>
-                          <m:den>
-                            <m:r>
-                              <a:rPr lang="en-US" b="0" i="1" smtClean="0">
-                                <a:latin typeface="Cambria Math" panose="02040503050406030204" pitchFamily="18" charset="0"/>
-                              </a:rPr>
-                              <m:t>𝑘</m:t>
-                            </m:r>
-                          </m:den>
-                        </m:f>
-                      </m:e>
-                    </m:d>
-                  </m:oMath>
-                </a14:m>
-                <a:r>
-                  <a:rPr lang="en-US" dirty="0"/>
-                  <a:t> is called the binomial coefficient – it represents the number of ways to arrange </a:t>
-                </a:r>
-                <a14:m>
-                  <m:oMath xmlns:m="http://schemas.openxmlformats.org/officeDocument/2006/math">
-                    <m:r>
-                      <a:rPr lang="en-US" b="0" i="1" smtClean="0">
-                        <a:latin typeface="Cambria Math" panose="02040503050406030204" pitchFamily="18" charset="0"/>
-                      </a:rPr>
-                      <m:t>𝑘</m:t>
-                    </m:r>
-                  </m:oMath>
-                </a14:m>
-                <a:r>
-                  <a:rPr lang="en-US" dirty="0"/>
-                  <a:t> successes in </a:t>
-                </a:r>
-                <a14:m>
-                  <m:oMath xmlns:m="http://schemas.openxmlformats.org/officeDocument/2006/math">
-                    <m:r>
-                      <a:rPr lang="en-US" b="0" i="1" smtClean="0">
-                        <a:latin typeface="Cambria Math" panose="02040503050406030204" pitchFamily="18" charset="0"/>
-                      </a:rPr>
-                      <m:t>𝑛</m:t>
-                    </m:r>
-                  </m:oMath>
-                </a14:m>
-                <a:r>
-                  <a:rPr lang="en-US" dirty="0"/>
-                  <a:t> trials</a:t>
-                </a:r>
-              </a:p>
-              <a:p>
-                <a:pPr marL="457200" lvl="1" indent="0">
-                  <a:buNone/>
-                </a:pPr>
-                <a:endParaRPr lang="en-US" dirty="0"/>
-              </a:p>
-              <a:p>
-                <a:pPr marL="457200" lvl="1" indent="0">
-                  <a:buNone/>
-                </a:pPr>
-                <a14:m>
-                  <m:oMathPara xmlns:m="http://schemas.openxmlformats.org/officeDocument/2006/math">
-                    <m:oMathParaPr>
-                      <m:jc m:val="centerGroup"/>
-                    </m:oMathParaPr>
-                    <m:oMath xmlns:m="http://schemas.openxmlformats.org/officeDocument/2006/math">
-                      <m:d>
-                        <m:dPr>
-                          <m:ctrlPr>
-                            <a:rPr lang="en-US" i="1" smtClean="0">
-                              <a:latin typeface="Cambria Math" panose="02040503050406030204" pitchFamily="18" charset="0"/>
-                            </a:rPr>
-                          </m:ctrlPr>
-                        </m:dPr>
-                        <m:e>
-                          <m:f>
-                            <m:fPr>
-                              <m:type m:val="noBar"/>
-                              <m:ctrlPr>
-                                <a:rPr lang="en-US" i="1" smtClean="0">
-                                  <a:latin typeface="Cambria Math" panose="02040503050406030204" pitchFamily="18" charset="0"/>
-                                </a:rPr>
-                              </m:ctrlPr>
-                            </m:fPr>
-                            <m:num>
-                              <m:r>
-                                <a:rPr lang="en-US" b="0" i="1" smtClean="0">
-                                  <a:latin typeface="Cambria Math" panose="02040503050406030204" pitchFamily="18" charset="0"/>
-                                </a:rPr>
-                                <m:t>𝑛</m:t>
-                              </m:r>
-                            </m:num>
-                            <m:den>
-                              <m:r>
-                                <a:rPr lang="en-US" b="0" i="1" smtClean="0">
-                                  <a:latin typeface="Cambria Math" panose="02040503050406030204" pitchFamily="18" charset="0"/>
-                                </a:rPr>
-                                <m:t>𝑘</m:t>
-                              </m:r>
-                            </m:den>
-                          </m:f>
-                        </m:e>
-                      </m:d>
-                      <m:r>
-                        <a:rPr lang="en-US" b="0" i="1" smtClean="0">
-                          <a:latin typeface="Cambria Math" panose="02040503050406030204" pitchFamily="18" charset="0"/>
-                        </a:rPr>
-                        <m:t>= </m:t>
-                      </m:r>
-                      <m:f>
-                        <m:fPr>
-                          <m:ctrlPr>
-                            <a:rPr lang="en-US" b="0" i="1" smtClean="0">
-                              <a:latin typeface="Cambria Math" panose="02040503050406030204" pitchFamily="18" charset="0"/>
-                            </a:rPr>
-                          </m:ctrlPr>
-                        </m:fPr>
-                        <m:num>
-                          <m:r>
-                            <a:rPr lang="en-US" b="0" i="1" smtClean="0">
-                              <a:latin typeface="Cambria Math" panose="02040503050406030204" pitchFamily="18" charset="0"/>
-                            </a:rPr>
-                            <m:t>𝑛</m:t>
-                          </m:r>
-                          <m:r>
-                            <a:rPr lang="en-US" b="0" i="1" smtClean="0">
-                              <a:latin typeface="Cambria Math" panose="02040503050406030204" pitchFamily="18" charset="0"/>
-                            </a:rPr>
-                            <m:t>!</m:t>
-                          </m:r>
-                        </m:num>
-                        <m:den>
-                          <m:r>
-                            <a:rPr lang="en-US" b="0" i="1" smtClean="0">
-                              <a:latin typeface="Cambria Math" panose="02040503050406030204" pitchFamily="18" charset="0"/>
-                            </a:rPr>
-                            <m:t>𝑘</m:t>
-                          </m:r>
-                          <m:r>
-                            <a:rPr lang="en-US" b="0" i="1" smtClean="0">
-                              <a:latin typeface="Cambria Math" panose="02040503050406030204" pitchFamily="18" charset="0"/>
-                            </a:rPr>
-                            <m:t>!</m:t>
-                          </m:r>
-                          <m:d>
-                            <m:dPr>
-                              <m:ctrlPr>
-                                <a:rPr lang="en-US" b="0" i="1" smtClean="0">
-                                  <a:latin typeface="Cambria Math" panose="02040503050406030204" pitchFamily="18" charset="0"/>
-                                </a:rPr>
-                              </m:ctrlPr>
-                            </m:dPr>
-                            <m:e>
-                              <m:r>
-                                <a:rPr lang="en-US" b="0" i="1" smtClean="0">
-                                  <a:latin typeface="Cambria Math" panose="02040503050406030204" pitchFamily="18" charset="0"/>
-                                </a:rPr>
-                                <m:t>𝑛</m:t>
-                              </m:r>
-                              <m:r>
-                                <a:rPr lang="en-US" b="0" i="1" smtClean="0">
-                                  <a:latin typeface="Cambria Math" panose="02040503050406030204" pitchFamily="18" charset="0"/>
-                                </a:rPr>
-                                <m:t>−</m:t>
-                              </m:r>
-                              <m:r>
-                                <a:rPr lang="en-US" b="0" i="1" smtClean="0">
-                                  <a:latin typeface="Cambria Math" panose="02040503050406030204" pitchFamily="18" charset="0"/>
-                                </a:rPr>
-                                <m:t>𝑘</m:t>
-                              </m:r>
-                            </m:e>
-                          </m:d>
-                          <m:r>
-                            <a:rPr lang="en-US" b="0" i="1" smtClean="0">
-                              <a:latin typeface="Cambria Math" panose="02040503050406030204" pitchFamily="18" charset="0"/>
-                            </a:rPr>
-                            <m:t>!</m:t>
-                          </m:r>
-                        </m:den>
-                      </m:f>
-                    </m:oMath>
-                  </m:oMathPara>
-                </a14:m>
-                <a:endParaRPr lang="en-US" dirty="0"/>
-              </a:p>
-              <a:p>
-                <a:pPr marL="457200" lvl="1" indent="0">
-                  <a:buNone/>
-                </a:pPr>
-                <a:endParaRPr lang="en-US" dirty="0"/>
-              </a:p>
-            </p:txBody>
-          </p:sp>
-        </mc:Choice>
-        <mc:Fallback xmlns="">
-          <p:sp>
-            <p:nvSpPr>
-              <p:cNvPr id="3" name="Content Placeholder 2">
-                <a:extLst>
-                  <a:ext uri="{FF2B5EF4-FFF2-40B4-BE49-F238E27FC236}">
-                    <a16:creationId xmlns:a16="http://schemas.microsoft.com/office/drawing/2014/main" id="{91A7FD2F-4A35-5FFB-6BAF-EDDACD17CE02}"/>
-                  </a:ext>
-                </a:extLst>
-              </p:cNvPr>
-              <p:cNvSpPr>
-                <a:spLocks noGrp="1" noRot="1" noChangeAspect="1" noMove="1" noResize="1" noEditPoints="1" noAdjustHandles="1" noChangeArrowheads="1" noChangeShapeType="1" noTextEdit="1"/>
-              </p:cNvSpPr>
-              <p:nvPr>
-                <p:ph idx="1"/>
-              </p:nvPr>
-            </p:nvSpPr>
-            <p:spPr>
-              <a:xfrm>
-                <a:off x="157018" y="1219200"/>
-                <a:ext cx="11196782" cy="5338618"/>
-              </a:xfrm>
-              <a:blipFill>
-                <a:blip r:embed="rId2"/>
-                <a:stretch>
-                  <a:fillRect l="-980" t="-1826"/>
-                </a:stretch>
-              </a:blipFill>
-            </p:spPr>
-            <p:txBody>
-              <a:bodyPr/>
-              <a:lstStyle/>
-              <a:p>
-                <a:r>
-                  <a:rPr lang="en-US">
-                    <a:noFill/>
-                  </a:rPr>
-                  <a:t> </a:t>
-                </a:r>
-              </a:p>
-            </p:txBody>
-          </p:sp>
-        </mc:Fallback>
-      </mc:AlternateContent>
-    </p:spTree>
-    <p:extLst>
-      <p:ext uri="{BB962C8B-B14F-4D97-AF65-F5344CB8AC3E}">
-        <p14:creationId xmlns:p14="http://schemas.microsoft.com/office/powerpoint/2010/main" val="3359996984"/>
-      </p:ext>
-    </p:extLst>
-  </p:cSld>
-  <p:clrMapOvr>
-    <a:masterClrMapping/>
-  </p:clrMapOvr>
-</p:sld>
-</file>
-
-<file path=ppt/slides/slide19.xml><?xml version="1.0" encoding="utf-8"?>
-<p:sld xmlns:a="http://schemas.openxmlformats.org/drawingml/2006/main" xmlns:r="http://schemas.openxmlformats.org/officeDocument/2006/relationships" xmlns:p="http://schemas.openxmlformats.org/presentationml/2006/main">
-  <p:cSld>
-    <p:spTree>
-      <p:nvGrpSpPr>
-        <p:cNvPr id="1" name=""/>
-        <p:cNvGrpSpPr/>
-        <p:nvPr/>
-      </p:nvGrpSpPr>
-      <p:grpSpPr>
-        <a:xfrm>
-          <a:off x="0" y="0"/>
-          <a:ext cx="0" cy="0"/>
-          <a:chOff x="0" y="0"/>
-          <a:chExt cx="0" cy="0"/>
-        </a:xfrm>
-      </p:grpSpPr>
-      <p:sp>
-        <p:nvSpPr>
-          <p:cNvPr id="2" name="Title 1">
-            <a:extLst>
-              <a:ext uri="{FF2B5EF4-FFF2-40B4-BE49-F238E27FC236}">
-                <a16:creationId xmlns:a16="http://schemas.microsoft.com/office/drawing/2014/main" id="{FD1CD568-A047-AF2F-5B1F-4DFB6519943C}"/>
-              </a:ext>
-            </a:extLst>
-          </p:cNvPr>
-          <p:cNvSpPr>
-            <a:spLocks noGrp="1"/>
-          </p:cNvSpPr>
-          <p:nvPr>
-            <p:ph type="title"/>
-          </p:nvPr>
-        </p:nvSpPr>
-        <p:spPr/>
-        <p:txBody>
-          <a:bodyPr/>
-          <a:lstStyle/>
-          <a:p>
-            <a:r>
-              <a:rPr lang="en-US" dirty="0"/>
-              <a:t>The Poisson Distribution </a:t>
-            </a:r>
-          </a:p>
-        </p:txBody>
-      </p:sp>
-      <mc:AlternateContent xmlns:mc="http://schemas.openxmlformats.org/markup-compatibility/2006" xmlns:a14="http://schemas.microsoft.com/office/drawing/2010/main">
-        <mc:Choice Requires="a14">
-          <p:sp>
-            <p:nvSpPr>
-              <p:cNvPr id="3" name="Content Placeholder 2">
-                <a:extLst>
-                  <a:ext uri="{FF2B5EF4-FFF2-40B4-BE49-F238E27FC236}">
-                    <a16:creationId xmlns:a16="http://schemas.microsoft.com/office/drawing/2014/main" id="{07963F81-34EE-BFFC-0597-5FB4D3F3F298}"/>
-                  </a:ext>
-                </a:extLst>
-              </p:cNvPr>
-              <p:cNvSpPr>
-                <a:spLocks noGrp="1"/>
-              </p:cNvSpPr>
-              <p:nvPr>
-                <p:ph idx="1"/>
-              </p:nvPr>
-            </p:nvSpPr>
-            <p:spPr>
-              <a:xfrm>
-                <a:off x="838200" y="1825624"/>
-                <a:ext cx="10515600" cy="4833793"/>
-              </a:xfrm>
-            </p:spPr>
-            <p:txBody>
-              <a:bodyPr>
-                <a:normAutofit fontScale="77500" lnSpcReduction="20000"/>
-              </a:bodyPr>
-              <a:lstStyle/>
-              <a:p>
-                <a:r>
-                  <a:rPr lang="en-US" dirty="0"/>
-                  <a:t>A Poisson distribution is a discrete probability distribution. It gives the probability of an event happening a certain number of times </a:t>
-                </a:r>
-                <a14:m>
-                  <m:oMath xmlns:m="http://schemas.openxmlformats.org/officeDocument/2006/math">
-                    <m:r>
-                      <a:rPr lang="en-US" b="0" i="1" smtClean="0">
-                        <a:latin typeface="Cambria Math" panose="02040503050406030204" pitchFamily="18" charset="0"/>
-                      </a:rPr>
-                      <m:t>𝑘</m:t>
-                    </m:r>
-                  </m:oMath>
-                </a14:m>
-                <a:r>
-                  <a:rPr lang="en-US" dirty="0"/>
-                  <a:t> within a given interval of time or space. </a:t>
-                </a:r>
-              </a:p>
-              <a:p>
-                <a:endParaRPr lang="en-US" dirty="0"/>
-              </a:p>
-              <a:p>
-                <a:r>
-                  <a:rPr lang="en-US" dirty="0"/>
-                  <a:t>The Poisson distribution has only one parameter, </a:t>
-                </a:r>
-                <a14:m>
-                  <m:oMath xmlns:m="http://schemas.openxmlformats.org/officeDocument/2006/math">
-                    <m:r>
-                      <a:rPr lang="en-US" b="0" i="1" smtClean="0">
-                        <a:latin typeface="Cambria Math" panose="02040503050406030204" pitchFamily="18" charset="0"/>
-                      </a:rPr>
-                      <m:t>𝜆</m:t>
-                    </m:r>
-                  </m:oMath>
-                </a14:m>
-                <a:r>
-                  <a:rPr lang="en-US" dirty="0"/>
-                  <a:t> (lambda), which is the mean number of events. </a:t>
-                </a:r>
-                <a14:m>
-                  <m:oMath xmlns:m="http://schemas.openxmlformats.org/officeDocument/2006/math">
-                    <m:r>
-                      <a:rPr lang="en-US" b="0" i="1" smtClean="0">
-                        <a:latin typeface="Cambria Math" panose="02040503050406030204" pitchFamily="18" charset="0"/>
-                      </a:rPr>
-                      <m:t>𝜆</m:t>
-                    </m:r>
-                    <m:r>
-                      <a:rPr lang="en-US" b="0" i="1" smtClean="0">
-                        <a:latin typeface="Cambria Math" panose="02040503050406030204" pitchFamily="18" charset="0"/>
-                      </a:rPr>
-                      <m:t>&gt;0</m:t>
-                    </m:r>
-                  </m:oMath>
-                </a14:m>
-                <a:endParaRPr lang="en-US" dirty="0"/>
-              </a:p>
-              <a:p>
-                <a:endParaRPr lang="en-US" dirty="0"/>
-              </a:p>
-              <a:p>
-                <a:pPr marL="0" indent="0">
-                  <a:buNone/>
-                </a:pPr>
-                <a:r>
-                  <a:rPr lang="en-US" b="1" dirty="0"/>
-                  <a:t>Probability Mass Function:         </a:t>
-                </a:r>
-                <a14:m>
-                  <m:oMath xmlns:m="http://schemas.openxmlformats.org/officeDocument/2006/math">
-                    <m:r>
-                      <a:rPr lang="en-US" b="0" i="1" smtClean="0">
-                        <a:latin typeface="Cambria Math" panose="02040503050406030204" pitchFamily="18" charset="0"/>
-                      </a:rPr>
-                      <m:t>𝑃</m:t>
-                    </m:r>
-                    <m:d>
-                      <m:dPr>
-                        <m:ctrlPr>
-                          <a:rPr lang="en-US" b="0" i="1" smtClean="0">
-                            <a:latin typeface="Cambria Math" panose="02040503050406030204" pitchFamily="18" charset="0"/>
-                          </a:rPr>
-                        </m:ctrlPr>
-                      </m:dPr>
-                      <m:e>
-                        <m:r>
-                          <a:rPr lang="en-US" b="0" i="1" smtClean="0">
-                            <a:latin typeface="Cambria Math" panose="02040503050406030204" pitchFamily="18" charset="0"/>
-                          </a:rPr>
-                          <m:t>𝑋</m:t>
-                        </m:r>
-                        <m:r>
-                          <a:rPr lang="en-US" b="0" i="1" smtClean="0">
-                            <a:latin typeface="Cambria Math" panose="02040503050406030204" pitchFamily="18" charset="0"/>
-                          </a:rPr>
-                          <m:t>=</m:t>
-                        </m:r>
-                        <m:r>
-                          <a:rPr lang="en-US" b="0" i="1" smtClean="0">
-                            <a:latin typeface="Cambria Math" panose="02040503050406030204" pitchFamily="18" charset="0"/>
-                          </a:rPr>
-                          <m:t>𝑥</m:t>
-                        </m:r>
-                      </m:e>
-                    </m:d>
-                    <m:r>
-                      <a:rPr lang="en-US" b="0" i="1" smtClean="0">
-                        <a:latin typeface="Cambria Math" panose="02040503050406030204" pitchFamily="18" charset="0"/>
-                      </a:rPr>
-                      <m:t>=</m:t>
-                    </m:r>
-                    <m:f>
-                      <m:fPr>
-                        <m:ctrlPr>
-                          <a:rPr lang="en-US" b="0" i="1" smtClean="0">
-                            <a:latin typeface="Cambria Math" panose="02040503050406030204" pitchFamily="18" charset="0"/>
-                          </a:rPr>
-                        </m:ctrlPr>
-                      </m:fPr>
-                      <m:num>
-                        <m:sSup>
-                          <m:sSupPr>
-                            <m:ctrlPr>
-                              <a:rPr lang="en-US" b="0" i="1" smtClean="0">
-                                <a:latin typeface="Cambria Math" panose="02040503050406030204" pitchFamily="18" charset="0"/>
-                              </a:rPr>
-                            </m:ctrlPr>
-                          </m:sSupPr>
-                          <m:e>
-                            <m:r>
-                              <a:rPr lang="en-US" b="0" i="1" smtClean="0">
-                                <a:latin typeface="Cambria Math" panose="02040503050406030204" pitchFamily="18" charset="0"/>
-                              </a:rPr>
-                              <m:t>𝜆</m:t>
-                            </m:r>
-                          </m:e>
-                          <m:sup>
-                            <m:r>
-                              <a:rPr lang="en-US" b="0" i="1" smtClean="0">
-                                <a:latin typeface="Cambria Math" panose="02040503050406030204" pitchFamily="18" charset="0"/>
-                              </a:rPr>
-                              <m:t>𝑘</m:t>
-                            </m:r>
-                          </m:sup>
-                        </m:sSup>
-                        <m:sSup>
-                          <m:sSupPr>
-                            <m:ctrlPr>
-                              <a:rPr lang="en-US" b="0" i="1" smtClean="0">
-                                <a:latin typeface="Cambria Math" panose="02040503050406030204" pitchFamily="18" charset="0"/>
-                              </a:rPr>
-                            </m:ctrlPr>
-                          </m:sSupPr>
-                          <m:e>
-                            <m:r>
-                              <a:rPr lang="en-US" b="0" i="1" smtClean="0">
-                                <a:latin typeface="Cambria Math" panose="02040503050406030204" pitchFamily="18" charset="0"/>
-                              </a:rPr>
-                              <m:t>𝑒</m:t>
-                            </m:r>
-                          </m:e>
-                          <m:sup>
-                            <m:r>
-                              <a:rPr lang="en-US" b="0" i="1" smtClean="0">
-                                <a:latin typeface="Cambria Math" panose="02040503050406030204" pitchFamily="18" charset="0"/>
-                              </a:rPr>
-                              <m:t>−</m:t>
-                            </m:r>
-                            <m:r>
-                              <a:rPr lang="en-US" b="0" i="1" smtClean="0">
-                                <a:latin typeface="Cambria Math" panose="02040503050406030204" pitchFamily="18" charset="0"/>
-                              </a:rPr>
-                              <m:t>𝜆</m:t>
-                            </m:r>
-                            <m:r>
-                              <m:rPr>
-                                <m:lit/>
-                              </m:rPr>
-                              <a:rPr lang="en-US" b="0" i="1" smtClean="0">
-                                <a:latin typeface="Cambria Math" panose="02040503050406030204" pitchFamily="18" charset="0"/>
-                              </a:rPr>
-                              <m:t> </m:t>
-                            </m:r>
-                          </m:sup>
-                        </m:sSup>
-                      </m:num>
-                      <m:den>
-                        <m:r>
-                          <a:rPr lang="en-US" b="0" i="1" smtClean="0">
-                            <a:latin typeface="Cambria Math" panose="02040503050406030204" pitchFamily="18" charset="0"/>
-                          </a:rPr>
-                          <m:t>𝑘</m:t>
-                        </m:r>
-                        <m:r>
-                          <a:rPr lang="en-US" b="0" i="1" smtClean="0">
-                            <a:latin typeface="Cambria Math" panose="02040503050406030204" pitchFamily="18" charset="0"/>
-                          </a:rPr>
-                          <m:t>!</m:t>
-                        </m:r>
-                      </m:den>
-                    </m:f>
-                  </m:oMath>
-                </a14:m>
-                <a:endParaRPr lang="en-US" dirty="0"/>
-              </a:p>
-              <a:p>
-                <a:pPr marL="0" indent="0">
-                  <a:buNone/>
-                </a:pPr>
-                <a:endParaRPr lang="en-US" dirty="0"/>
-              </a:p>
-              <a:p>
-                <a:pPr marL="0" indent="0">
-                  <a:buNone/>
-                </a:pPr>
-                <a:r>
-                  <a:rPr lang="en-US" dirty="0"/>
-                  <a:t>Examples: </a:t>
-                </a:r>
-              </a:p>
-              <a:p>
-                <a:pPr marL="0" indent="0">
-                  <a:buNone/>
-                </a:pPr>
-                <a:r>
-                  <a:rPr lang="en-US" dirty="0"/>
-                  <a:t>The number of traffic accidents at a particular intersection in a given day can be modeled using a Poisson distribution.</a:t>
-                </a:r>
-              </a:p>
-              <a:p>
-                <a:pPr marL="0" indent="0">
-                  <a:buNone/>
-                </a:pPr>
-                <a:endParaRPr lang="en-US" dirty="0"/>
-              </a:p>
-              <a:p>
-                <a:pPr marL="0" indent="0">
-                  <a:buNone/>
-                </a:pPr>
-                <a:r>
-                  <a:rPr lang="en-US"/>
-                  <a:t>The number of defective items produced by a machine in a fixed period of time can be modeled with a Poisson distribution, assuming a constant defect rate.</a:t>
-                </a:r>
-                <a:endParaRPr lang="en-US" dirty="0"/>
-              </a:p>
-              <a:p>
-                <a:pPr marL="0" indent="0">
-                  <a:buNone/>
-                </a:pPr>
-                <a:endParaRPr lang="en-US" dirty="0"/>
-              </a:p>
-              <a:p>
-                <a:pPr marL="0" indent="0">
-                  <a:buNone/>
-                </a:pPr>
-                <a:endParaRPr lang="en-US" dirty="0"/>
-              </a:p>
-            </p:txBody>
-          </p:sp>
-        </mc:Choice>
-        <mc:Fallback xmlns="">
-          <p:sp>
-            <p:nvSpPr>
-              <p:cNvPr id="3" name="Content Placeholder 2">
-                <a:extLst>
-                  <a:ext uri="{FF2B5EF4-FFF2-40B4-BE49-F238E27FC236}">
-                    <a16:creationId xmlns:a16="http://schemas.microsoft.com/office/drawing/2014/main" id="{07963F81-34EE-BFFC-0597-5FB4D3F3F298}"/>
-                  </a:ext>
-                </a:extLst>
-              </p:cNvPr>
-              <p:cNvSpPr>
-                <a:spLocks noGrp="1" noRot="1" noChangeAspect="1" noMove="1" noResize="1" noEditPoints="1" noAdjustHandles="1" noChangeArrowheads="1" noChangeShapeType="1" noTextEdit="1"/>
-              </p:cNvSpPr>
-              <p:nvPr>
-                <p:ph idx="1"/>
-              </p:nvPr>
-            </p:nvSpPr>
-            <p:spPr>
-              <a:xfrm>
-                <a:off x="838200" y="1825624"/>
-                <a:ext cx="10515600" cy="4833793"/>
-              </a:xfrm>
-              <a:blipFill>
-                <a:blip r:embed="rId2"/>
-                <a:stretch>
-                  <a:fillRect l="-754" t="-2522"/>
-                </a:stretch>
-              </a:blipFill>
-            </p:spPr>
-            <p:txBody>
-              <a:bodyPr/>
-              <a:lstStyle/>
-              <a:p>
-                <a:r>
-                  <a:rPr lang="en-US">
-                    <a:noFill/>
-                  </a:rPr>
-                  <a:t> </a:t>
-                </a:r>
-              </a:p>
-            </p:txBody>
-          </p:sp>
-        </mc:Fallback>
-      </mc:AlternateContent>
-    </p:spTree>
-    <p:extLst>
-      <p:ext uri="{BB962C8B-B14F-4D97-AF65-F5344CB8AC3E}">
-        <p14:creationId xmlns:p14="http://schemas.microsoft.com/office/powerpoint/2010/main" val="4113273467"/>
-      </p:ext>
-    </p:extLst>
-  </p:cSld>
-  <p:clrMapOvr>
-    <a:masterClrMapping/>
-  </p:clrMapOvr>
-</p:sld>
-</file>
-
 <file path=ppt/slides/slide2.xml><?xml version="1.0" encoding="utf-8"?>
 <p:sld xmlns:a="http://schemas.openxmlformats.org/drawingml/2006/main" xmlns:r="http://schemas.openxmlformats.org/officeDocument/2006/relationships" xmlns:p="http://schemas.openxmlformats.org/presentationml/2006/main">
   <p:cSld>
